--- a/assignment-main/Trainee/submission/株価予測モデルの構築.pptx
+++ b/assignment-main/Trainee/submission/株価予測モデルの構築.pptx
@@ -5,23 +5,24 @@
     <p:sldMasterId id="2147483648" r:id="rId1"/>
   </p:sldMasterIdLst>
   <p:notesMasterIdLst>
-    <p:notesMasterId r:id="rId16"/>
+    <p:notesMasterId r:id="rId17"/>
   </p:notesMasterIdLst>
   <p:sldIdLst>
     <p:sldId id="256" r:id="rId2"/>
-    <p:sldId id="257" r:id="rId3"/>
-    <p:sldId id="277" r:id="rId4"/>
-    <p:sldId id="274" r:id="rId5"/>
-    <p:sldId id="267" r:id="rId6"/>
-    <p:sldId id="275" r:id="rId7"/>
-    <p:sldId id="268" r:id="rId8"/>
-    <p:sldId id="276" r:id="rId9"/>
-    <p:sldId id="269" r:id="rId10"/>
-    <p:sldId id="270" r:id="rId11"/>
-    <p:sldId id="271" r:id="rId12"/>
-    <p:sldId id="272" r:id="rId13"/>
-    <p:sldId id="278" r:id="rId14"/>
-    <p:sldId id="273" r:id="rId15"/>
+    <p:sldId id="279" r:id="rId3"/>
+    <p:sldId id="257" r:id="rId4"/>
+    <p:sldId id="277" r:id="rId5"/>
+    <p:sldId id="274" r:id="rId6"/>
+    <p:sldId id="267" r:id="rId7"/>
+    <p:sldId id="275" r:id="rId8"/>
+    <p:sldId id="268" r:id="rId9"/>
+    <p:sldId id="276" r:id="rId10"/>
+    <p:sldId id="269" r:id="rId11"/>
+    <p:sldId id="270" r:id="rId12"/>
+    <p:sldId id="271" r:id="rId13"/>
+    <p:sldId id="272" r:id="rId14"/>
+    <p:sldId id="278" r:id="rId15"/>
+    <p:sldId id="273" r:id="rId16"/>
   </p:sldIdLst>
   <p:sldSz cx="12192000" cy="6858000"/>
   <p:notesSz cx="6858000" cy="9144000"/>
@@ -120,7 +121,147 @@
       </a:defRPr>
     </a:lvl9pPr>
   </p:defaultTextStyle>
+  <p:extLst>
+    <p:ext uri="{EFAFB233-063F-42B5-8137-9DF3F51BA10A}">
+      <p15:sldGuideLst xmlns:p15="http://schemas.microsoft.com/office/powerpoint/2012/main"/>
+    </p:ext>
+  </p:extLst>
 </p:presentation>
+</file>
+
+<file path=ppt/revisionInfo.xml><?xml version="1.0" encoding="utf-8"?>
+<p1510:revInfo xmlns:a="http://schemas.openxmlformats.org/drawingml/2006/main" xmlns:r="http://schemas.openxmlformats.org/officeDocument/2006/relationships" xmlns:p1510="http://schemas.microsoft.com/office/powerpoint/2015/10/main">
+  <p1510:revLst>
+    <p1510:client id="{E7E52BDB-E67E-47B5-AF8A-10F7344E1687}" v="26" dt="2024-10-21T01:19:34.930"/>
+  </p1510:revLst>
+</p1510:revInfo>
+</file>
+
+<file path=ppt/changesInfos/changesInfo1.xml><?xml version="1.0" encoding="utf-8"?>
+<pc:chgInfo xmlns:a="http://schemas.openxmlformats.org/drawingml/2006/main" xmlns:r="http://schemas.openxmlformats.org/officeDocument/2006/relationships" xmlns:ac="http://schemas.microsoft.com/office/drawing/2013/main/command" xmlns:pc="http://schemas.microsoft.com/office/powerpoint/2013/main/command">
+  <pc:docChgLst>
+    <pc:chgData name="KAWAI Hiroki" userId="63d881d5-9f85-43b1-b03d-972e617cee87" providerId="ADAL" clId="{E7E52BDB-E67E-47B5-AF8A-10F7344E1687}"/>
+    <pc:docChg chg="undo redo custSel addSld modSld">
+      <pc:chgData name="KAWAI Hiroki" userId="63d881d5-9f85-43b1-b03d-972e617cee87" providerId="ADAL" clId="{E7E52BDB-E67E-47B5-AF8A-10F7344E1687}" dt="2024-10-21T01:19:41.398" v="574" actId="20577"/>
+      <pc:docMkLst>
+        <pc:docMk/>
+      </pc:docMkLst>
+      <pc:sldChg chg="modSp mod">
+        <pc:chgData name="KAWAI Hiroki" userId="63d881d5-9f85-43b1-b03d-972e617cee87" providerId="ADAL" clId="{E7E52BDB-E67E-47B5-AF8A-10F7344E1687}" dt="2024-10-21T01:19:41.398" v="574" actId="20577"/>
+        <pc:sldMkLst>
+          <pc:docMk/>
+          <pc:sldMk cId="232695538" sldId="270"/>
+        </pc:sldMkLst>
+        <pc:spChg chg="mod">
+          <ac:chgData name="KAWAI Hiroki" userId="63d881d5-9f85-43b1-b03d-972e617cee87" providerId="ADAL" clId="{E7E52BDB-E67E-47B5-AF8A-10F7344E1687}" dt="2024-10-21T01:19:41.398" v="574" actId="20577"/>
+          <ac:spMkLst>
+            <pc:docMk/>
+            <pc:sldMk cId="232695538" sldId="270"/>
+            <ac:spMk id="3" creationId="{15A2BAFB-9288-1EAE-AE9A-D8D9A7E545A7}"/>
+          </ac:spMkLst>
+        </pc:spChg>
+      </pc:sldChg>
+      <pc:sldChg chg="modSp mod">
+        <pc:chgData name="KAWAI Hiroki" userId="63d881d5-9f85-43b1-b03d-972e617cee87" providerId="ADAL" clId="{E7E52BDB-E67E-47B5-AF8A-10F7344E1687}" dt="2024-10-21T01:10:56.078" v="135"/>
+        <pc:sldMkLst>
+          <pc:docMk/>
+          <pc:sldMk cId="643809028" sldId="271"/>
+        </pc:sldMkLst>
+        <pc:spChg chg="mod">
+          <ac:chgData name="KAWAI Hiroki" userId="63d881d5-9f85-43b1-b03d-972e617cee87" providerId="ADAL" clId="{E7E52BDB-E67E-47B5-AF8A-10F7344E1687}" dt="2024-10-21T01:10:56.078" v="135"/>
+          <ac:spMkLst>
+            <pc:docMk/>
+            <pc:sldMk cId="643809028" sldId="271"/>
+            <ac:spMk id="5" creationId="{84A4A20E-A1EE-B4E2-CBB1-90946A877031}"/>
+          </ac:spMkLst>
+        </pc:spChg>
+      </pc:sldChg>
+      <pc:sldChg chg="modSp mod">
+        <pc:chgData name="KAWAI Hiroki" userId="63d881d5-9f85-43b1-b03d-972e617cee87" providerId="ADAL" clId="{E7E52BDB-E67E-47B5-AF8A-10F7344E1687}" dt="2024-10-21T01:11:01.659" v="149"/>
+        <pc:sldMkLst>
+          <pc:docMk/>
+          <pc:sldMk cId="1690189209" sldId="272"/>
+        </pc:sldMkLst>
+        <pc:spChg chg="mod">
+          <ac:chgData name="KAWAI Hiroki" userId="63d881d5-9f85-43b1-b03d-972e617cee87" providerId="ADAL" clId="{E7E52BDB-E67E-47B5-AF8A-10F7344E1687}" dt="2024-10-21T01:11:01.659" v="149"/>
+          <ac:spMkLst>
+            <pc:docMk/>
+            <pc:sldMk cId="1690189209" sldId="272"/>
+            <ac:spMk id="5" creationId="{84A4A20E-A1EE-B4E2-CBB1-90946A877031}"/>
+          </ac:spMkLst>
+        </pc:spChg>
+      </pc:sldChg>
+      <pc:sldChg chg="modSp mod">
+        <pc:chgData name="KAWAI Hiroki" userId="63d881d5-9f85-43b1-b03d-972e617cee87" providerId="ADAL" clId="{E7E52BDB-E67E-47B5-AF8A-10F7344E1687}" dt="2024-10-21T01:15:05.351" v="387" actId="5793"/>
+        <pc:sldMkLst>
+          <pc:docMk/>
+          <pc:sldMk cId="2906177067" sldId="276"/>
+        </pc:sldMkLst>
+        <pc:spChg chg="mod">
+          <ac:chgData name="KAWAI Hiroki" userId="63d881d5-9f85-43b1-b03d-972e617cee87" providerId="ADAL" clId="{E7E52BDB-E67E-47B5-AF8A-10F7344E1687}" dt="2024-10-21T01:15:05.351" v="387" actId="5793"/>
+          <ac:spMkLst>
+            <pc:docMk/>
+            <pc:sldMk cId="2906177067" sldId="276"/>
+            <ac:spMk id="3" creationId="{15A2BAFB-9288-1EAE-AE9A-D8D9A7E545A7}"/>
+          </ac:spMkLst>
+        </pc:spChg>
+      </pc:sldChg>
+      <pc:sldChg chg="modSp mod">
+        <pc:chgData name="KAWAI Hiroki" userId="63d881d5-9f85-43b1-b03d-972e617cee87" providerId="ADAL" clId="{E7E52BDB-E67E-47B5-AF8A-10F7344E1687}" dt="2024-10-21T01:08:29.349" v="15"/>
+        <pc:sldMkLst>
+          <pc:docMk/>
+          <pc:sldMk cId="2565664681" sldId="277"/>
+        </pc:sldMkLst>
+        <pc:spChg chg="mod">
+          <ac:chgData name="KAWAI Hiroki" userId="63d881d5-9f85-43b1-b03d-972e617cee87" providerId="ADAL" clId="{E7E52BDB-E67E-47B5-AF8A-10F7344E1687}" dt="2024-10-21T01:08:29.349" v="15"/>
+          <ac:spMkLst>
+            <pc:docMk/>
+            <pc:sldMk cId="2565664681" sldId="277"/>
+            <ac:spMk id="3" creationId="{15A2BAFB-9288-1EAE-AE9A-D8D9A7E545A7}"/>
+          </ac:spMkLst>
+        </pc:spChg>
+      </pc:sldChg>
+      <pc:sldChg chg="modSp mod">
+        <pc:chgData name="KAWAI Hiroki" userId="63d881d5-9f85-43b1-b03d-972e617cee87" providerId="ADAL" clId="{E7E52BDB-E67E-47B5-AF8A-10F7344E1687}" dt="2024-10-21T01:11:07.180" v="163"/>
+        <pc:sldMkLst>
+          <pc:docMk/>
+          <pc:sldMk cId="2840719451" sldId="278"/>
+        </pc:sldMkLst>
+        <pc:spChg chg="mod">
+          <ac:chgData name="KAWAI Hiroki" userId="63d881d5-9f85-43b1-b03d-972e617cee87" providerId="ADAL" clId="{E7E52BDB-E67E-47B5-AF8A-10F7344E1687}" dt="2024-10-21T01:11:07.180" v="163"/>
+          <ac:spMkLst>
+            <pc:docMk/>
+            <pc:sldMk cId="2840719451" sldId="278"/>
+            <ac:spMk id="5" creationId="{84A4A20E-A1EE-B4E2-CBB1-90946A877031}"/>
+          </ac:spMkLst>
+        </pc:spChg>
+      </pc:sldChg>
+      <pc:sldChg chg="modSp new mod">
+        <pc:chgData name="KAWAI Hiroki" userId="63d881d5-9f85-43b1-b03d-972e617cee87" providerId="ADAL" clId="{E7E52BDB-E67E-47B5-AF8A-10F7344E1687}" dt="2024-10-21T01:12:05.839" v="295"/>
+        <pc:sldMkLst>
+          <pc:docMk/>
+          <pc:sldMk cId="4193824295" sldId="279"/>
+        </pc:sldMkLst>
+        <pc:spChg chg="mod">
+          <ac:chgData name="KAWAI Hiroki" userId="63d881d5-9f85-43b1-b03d-972e617cee87" providerId="ADAL" clId="{E7E52BDB-E67E-47B5-AF8A-10F7344E1687}" dt="2024-10-21T01:12:05.839" v="295"/>
+          <ac:spMkLst>
+            <pc:docMk/>
+            <pc:sldMk cId="4193824295" sldId="279"/>
+            <ac:spMk id="2" creationId="{32567860-999B-A554-43ED-A2A04F11993B}"/>
+          </ac:spMkLst>
+        </pc:spChg>
+        <pc:spChg chg="mod">
+          <ac:chgData name="KAWAI Hiroki" userId="63d881d5-9f85-43b1-b03d-972e617cee87" providerId="ADAL" clId="{E7E52BDB-E67E-47B5-AF8A-10F7344E1687}" dt="2024-10-21T01:09:35.316" v="30"/>
+          <ac:spMkLst>
+            <pc:docMk/>
+            <pc:sldMk cId="4193824295" sldId="279"/>
+            <ac:spMk id="3" creationId="{F075CCC8-1346-93D1-603D-A699A9E4042C}"/>
+          </ac:spMkLst>
+        </pc:spChg>
+      </pc:sldChg>
+    </pc:docChg>
+  </pc:docChgLst>
+</pc:chgInfo>
 </file>
 
 <file path=ppt/notesMasters/notesMaster1.xml><?xml version="1.0" encoding="utf-8"?>
@@ -205,7 +346,7 @@
           <a:p>
             <a:fld id="{38B18B19-AD3D-43FE-9F43-058AF2914E3F}" type="datetimeFigureOut">
               <a:rPr kumimoji="1" lang="ja-JP" altLang="en-US" smtClean="0"/>
-              <a:t>2024/10/12</a:t>
+              <a:t>2024/10/21</a:t>
             </a:fld>
             <a:endParaRPr kumimoji="1" lang="ja-JP" altLang="en-US"/>
           </a:p>
@@ -695,7 +836,7 @@
           <a:p>
             <a:fld id="{731CCCB3-BEF2-4E1B-80A2-4265DA1A9862}" type="slidenum">
               <a:rPr kumimoji="1" lang="ja-JP" altLang="en-US" smtClean="0"/>
-              <a:t>2</a:t>
+              <a:t>3</a:t>
             </a:fld>
             <a:endParaRPr kumimoji="1" lang="ja-JP" altLang="en-US"/>
           </a:p>
@@ -905,7 +1046,7 @@
           <a:p>
             <a:fld id="{731CCCB3-BEF2-4E1B-80A2-4265DA1A9862}" type="slidenum">
               <a:rPr kumimoji="1" lang="ja-JP" altLang="en-US" smtClean="0"/>
-              <a:t>3</a:t>
+              <a:t>4</a:t>
             </a:fld>
             <a:endParaRPr kumimoji="1" lang="ja-JP" altLang="en-US"/>
           </a:p>
@@ -1597,7 +1738,7 @@
           <a:p>
             <a:fld id="{731CCCB3-BEF2-4E1B-80A2-4265DA1A9862}" type="slidenum">
               <a:rPr kumimoji="1" lang="ja-JP" altLang="en-US" smtClean="0"/>
-              <a:t>7</a:t>
+              <a:t>8</a:t>
             </a:fld>
             <a:endParaRPr kumimoji="1" lang="ja-JP" altLang="en-US"/>
           </a:p>
@@ -1684,7 +1825,7 @@
           <a:p>
             <a:fld id="{731CCCB3-BEF2-4E1B-80A2-4265DA1A9862}" type="slidenum">
               <a:rPr kumimoji="1" lang="ja-JP" altLang="en-US" smtClean="0"/>
-              <a:t>11</a:t>
+              <a:t>12</a:t>
             </a:fld>
             <a:endParaRPr kumimoji="1" lang="ja-JP" altLang="en-US"/>
           </a:p>
@@ -1768,7 +1909,7 @@
           <a:p>
             <a:fld id="{731CCCB3-BEF2-4E1B-80A2-4265DA1A9862}" type="slidenum">
               <a:rPr kumimoji="1" lang="ja-JP" altLang="en-US" smtClean="0"/>
-              <a:t>12</a:t>
+              <a:t>13</a:t>
             </a:fld>
             <a:endParaRPr kumimoji="1" lang="ja-JP" altLang="en-US"/>
           </a:p>
@@ -1934,7 +2075,7 @@
           <a:p>
             <a:fld id="{104D5C9D-386E-442A-841E-051CB9FB2DF4}" type="datetimeFigureOut">
               <a:rPr kumimoji="1" lang="ja-JP" altLang="en-US" smtClean="0"/>
-              <a:t>2024/10/12</a:t>
+              <a:t>2024/10/21</a:t>
             </a:fld>
             <a:endParaRPr kumimoji="1" lang="ja-JP" altLang="en-US"/>
           </a:p>
@@ -2222,7 +2363,7 @@
           <a:p>
             <a:fld id="{104D5C9D-386E-442A-841E-051CB9FB2DF4}" type="datetimeFigureOut">
               <a:rPr kumimoji="1" lang="ja-JP" altLang="en-US" smtClean="0"/>
-              <a:t>2024/10/12</a:t>
+              <a:t>2024/10/21</a:t>
             </a:fld>
             <a:endParaRPr kumimoji="1" lang="ja-JP" altLang="en-US"/>
           </a:p>
@@ -2452,7 +2593,7 @@
           <a:p>
             <a:fld id="{104D5C9D-386E-442A-841E-051CB9FB2DF4}" type="datetimeFigureOut">
               <a:rPr kumimoji="1" lang="ja-JP" altLang="en-US" smtClean="0"/>
-              <a:t>2024/10/12</a:t>
+              <a:t>2024/10/21</a:t>
             </a:fld>
             <a:endParaRPr kumimoji="1" lang="ja-JP" altLang="en-US"/>
           </a:p>
@@ -2692,7 +2833,7 @@
           <a:p>
             <a:fld id="{104D5C9D-386E-442A-841E-051CB9FB2DF4}" type="datetimeFigureOut">
               <a:rPr kumimoji="1" lang="ja-JP" altLang="en-US" smtClean="0"/>
-              <a:t>2024/10/12</a:t>
+              <a:t>2024/10/21</a:t>
             </a:fld>
             <a:endParaRPr kumimoji="1" lang="ja-JP" altLang="en-US"/>
           </a:p>
@@ -3031,7 +3172,7 @@
           <a:p>
             <a:fld id="{104D5C9D-386E-442A-841E-051CB9FB2DF4}" type="datetimeFigureOut">
               <a:rPr kumimoji="1" lang="ja-JP" altLang="en-US" smtClean="0"/>
-              <a:t>2024/10/12</a:t>
+              <a:t>2024/10/21</a:t>
             </a:fld>
             <a:endParaRPr kumimoji="1" lang="ja-JP" altLang="en-US"/>
           </a:p>
@@ -3306,7 +3447,7 @@
           <a:p>
             <a:fld id="{104D5C9D-386E-442A-841E-051CB9FB2DF4}" type="datetimeFigureOut">
               <a:rPr kumimoji="1" lang="ja-JP" altLang="en-US" smtClean="0"/>
-              <a:t>2024/10/12</a:t>
+              <a:t>2024/10/21</a:t>
             </a:fld>
             <a:endParaRPr kumimoji="1" lang="ja-JP" altLang="en-US"/>
           </a:p>
@@ -3635,7 +3776,7 @@
           <a:p>
             <a:fld id="{104D5C9D-386E-442A-841E-051CB9FB2DF4}" type="datetimeFigureOut">
               <a:rPr kumimoji="1" lang="ja-JP" altLang="en-US" smtClean="0"/>
-              <a:t>2024/10/12</a:t>
+              <a:t>2024/10/21</a:t>
             </a:fld>
             <a:endParaRPr kumimoji="1" lang="ja-JP" altLang="en-US"/>
           </a:p>
@@ -4111,7 +4252,7 @@
           <a:p>
             <a:fld id="{104D5C9D-386E-442A-841E-051CB9FB2DF4}" type="datetimeFigureOut">
               <a:rPr kumimoji="1" lang="ja-JP" altLang="en-US" smtClean="0"/>
-              <a:t>2024/10/12</a:t>
+              <a:t>2024/10/21</a:t>
             </a:fld>
             <a:endParaRPr kumimoji="1" lang="ja-JP" altLang="en-US"/>
           </a:p>
@@ -4252,7 +4393,7 @@
           <a:p>
             <a:fld id="{104D5C9D-386E-442A-841E-051CB9FB2DF4}" type="datetimeFigureOut">
               <a:rPr kumimoji="1" lang="ja-JP" altLang="en-US" smtClean="0"/>
-              <a:t>2024/10/12</a:t>
+              <a:t>2024/10/21</a:t>
             </a:fld>
             <a:endParaRPr kumimoji="1" lang="ja-JP" altLang="en-US"/>
           </a:p>
@@ -4365,7 +4506,7 @@
           <a:p>
             <a:fld id="{104D5C9D-386E-442A-841E-051CB9FB2DF4}" type="datetimeFigureOut">
               <a:rPr kumimoji="1" lang="ja-JP" altLang="en-US" smtClean="0"/>
-              <a:t>2024/10/12</a:t>
+              <a:t>2024/10/21</a:t>
             </a:fld>
             <a:endParaRPr kumimoji="1" lang="ja-JP" altLang="en-US"/>
           </a:p>
@@ -4708,7 +4849,7 @@
           <a:p>
             <a:fld id="{104D5C9D-386E-442A-841E-051CB9FB2DF4}" type="datetimeFigureOut">
               <a:rPr kumimoji="1" lang="ja-JP" altLang="en-US" smtClean="0"/>
-              <a:t>2024/10/12</a:t>
+              <a:t>2024/10/21</a:t>
             </a:fld>
             <a:endParaRPr kumimoji="1" lang="ja-JP" altLang="en-US"/>
           </a:p>
@@ -4981,7 +5122,7 @@
           <a:p>
             <a:fld id="{104D5C9D-386E-442A-841E-051CB9FB2DF4}" type="datetimeFigureOut">
               <a:rPr kumimoji="1" lang="ja-JP" altLang="en-US" smtClean="0"/>
-              <a:t>2024/10/12</a:t>
+              <a:t>2024/10/21</a:t>
             </a:fld>
             <a:endParaRPr kumimoji="1" lang="ja-JP" altLang="en-US"/>
           </a:p>
@@ -5520,7 +5661,7 @@
           <a:p>
             <a:r>
               <a:rPr kumimoji="1" lang="ja-JP" altLang="en-US" dirty="0"/>
-              <a:t>検証内容一覧</a:t>
+              <a:t>クラス分類の精度で評価</a:t>
             </a:r>
           </a:p>
         </p:txBody>
@@ -5543,188 +5684,76 @@
         </p:nvSpPr>
         <p:spPr/>
         <p:txBody>
-          <a:bodyPr>
-            <a:normAutofit fontScale="77500" lnSpcReduction="20000"/>
-          </a:bodyPr>
-          <a:lstStyle/>
-          <a:p>
-            <a:r>
-              <a:rPr lang="ja-JP" altLang="en-US" sz="2200" b="1" dirty="0"/>
-              <a:t>検証</a:t>
-            </a:r>
-            <a:r>
-              <a:rPr lang="en-US" altLang="ja-JP" sz="2200" b="1" dirty="0"/>
-              <a:t>1: </a:t>
-            </a:r>
-            <a:r>
-              <a:rPr lang="ja-JP" altLang="en-US" sz="2200" b="1" dirty="0"/>
-              <a:t>データ範囲の絞り込み</a:t>
-            </a:r>
-          </a:p>
-          <a:p>
-            <a:pPr lvl="1"/>
-            <a:r>
-              <a:rPr lang="ja-JP" altLang="en-US" sz="2200" b="1" dirty="0"/>
-              <a:t>背景</a:t>
-            </a:r>
-            <a:r>
-              <a:rPr lang="en-US" altLang="ja-JP" sz="2200" dirty="0"/>
-              <a:t>: </a:t>
-            </a:r>
-            <a:r>
-              <a:rPr lang="ja-JP" altLang="en-US" sz="2200" dirty="0"/>
-              <a:t>バブル崩壊やリーマンショックのような大規模な経済イベントが発生した時のデータは、通常の市場環境とは異なり、外れ値となっている可能性がある。また、過去のトレンドと現在のトレンドが異なることから、古いデータは有用でないかもしれない。</a:t>
-            </a:r>
-          </a:p>
-          <a:p>
-            <a:pPr lvl="1"/>
-            <a:r>
-              <a:rPr lang="ja-JP" altLang="en-US" sz="2200" b="1" dirty="0"/>
-              <a:t>仮説</a:t>
-            </a:r>
-            <a:r>
-              <a:rPr lang="en-US" altLang="ja-JP" sz="2200" dirty="0"/>
-              <a:t>: </a:t>
-            </a:r>
-            <a:r>
-              <a:rPr lang="ja-JP" altLang="en-US" sz="2200" dirty="0"/>
-              <a:t>データ範囲を近年のデータに絞ることで、モデルの予測精度が向上する。</a:t>
-            </a:r>
-          </a:p>
-          <a:p>
-            <a:pPr lvl="1"/>
-            <a:r>
-              <a:rPr lang="ja-JP" altLang="en-US" sz="2200" b="1" dirty="0"/>
-              <a:t>結果</a:t>
-            </a:r>
-            <a:r>
-              <a:rPr lang="en-US" altLang="ja-JP" sz="2200" dirty="0"/>
-              <a:t>:</a:t>
-            </a:r>
-          </a:p>
-          <a:p>
-            <a:r>
-              <a:rPr lang="ja-JP" altLang="en-US" sz="2200" b="1" dirty="0"/>
-              <a:t>検証</a:t>
-            </a:r>
-            <a:r>
-              <a:rPr lang="en-US" altLang="ja-JP" sz="2200" b="1" dirty="0"/>
-              <a:t>2: </a:t>
-            </a:r>
-            <a:r>
-              <a:rPr lang="ja-JP" altLang="en-US" sz="2200" b="1" dirty="0"/>
-              <a:t>為替データの追加</a:t>
-            </a:r>
-          </a:p>
-          <a:p>
-            <a:pPr lvl="1"/>
-            <a:r>
-              <a:rPr lang="ja-JP" altLang="en-US" sz="2200" b="1" dirty="0"/>
-              <a:t>背景</a:t>
-            </a:r>
-            <a:r>
-              <a:rPr lang="en-US" altLang="ja-JP" sz="2200" dirty="0"/>
-              <a:t>: </a:t>
-            </a:r>
-            <a:r>
-              <a:rPr lang="ja-JP" altLang="en-US" sz="2200" dirty="0"/>
-              <a:t>株価と為替は相関があると考えられ、為替データを特徴量に追加することで、株価予測の精度が向上する可能性がある。</a:t>
-            </a:r>
-          </a:p>
-          <a:p>
-            <a:pPr lvl="1"/>
-            <a:r>
-              <a:rPr lang="ja-JP" altLang="en-US" sz="2200" b="1" dirty="0"/>
-              <a:t>仮説</a:t>
-            </a:r>
-            <a:r>
-              <a:rPr lang="en-US" altLang="ja-JP" sz="2200" dirty="0"/>
-              <a:t>: </a:t>
-            </a:r>
-            <a:r>
-              <a:rPr lang="ja-JP" altLang="en-US" sz="2200" dirty="0"/>
-              <a:t>過去の株価だけでなく、為替データを含めることで予測精度が向上する。</a:t>
-            </a:r>
-          </a:p>
-          <a:p>
-            <a:pPr lvl="1"/>
-            <a:r>
-              <a:rPr lang="ja-JP" altLang="en-US" sz="2200" b="1" dirty="0"/>
-              <a:t>結果</a:t>
-            </a:r>
-            <a:r>
-              <a:rPr lang="en-US" altLang="ja-JP" sz="2200" dirty="0"/>
-              <a:t>:</a:t>
-            </a:r>
-          </a:p>
-          <a:p>
-            <a:r>
-              <a:rPr lang="ja-JP" altLang="en-US" sz="2200" b="1" dirty="0"/>
-              <a:t>検証</a:t>
-            </a:r>
-            <a:r>
-              <a:rPr lang="en-US" altLang="ja-JP" sz="2200" b="1" dirty="0"/>
-              <a:t>3: </a:t>
-            </a:r>
-            <a:r>
-              <a:rPr lang="ja-JP" altLang="en-US" sz="2200" b="1" dirty="0"/>
-              <a:t>変化の少ないデータの削除</a:t>
-            </a:r>
-          </a:p>
-          <a:p>
-            <a:pPr lvl="1"/>
-            <a:r>
-              <a:rPr lang="ja-JP" altLang="en-US" sz="2200" b="1" dirty="0"/>
-              <a:t>背景</a:t>
-            </a:r>
-            <a:r>
-              <a:rPr lang="en-US" altLang="ja-JP" sz="2200" dirty="0"/>
-              <a:t>: </a:t>
-            </a:r>
-            <a:r>
-              <a:rPr lang="ja-JP" altLang="en-US" sz="2200" dirty="0"/>
-              <a:t>株価の変化率がほぼ</a:t>
-            </a:r>
-            <a:r>
-              <a:rPr lang="en-US" altLang="ja-JP" sz="2200" dirty="0"/>
-              <a:t>0</a:t>
-            </a:r>
-            <a:r>
-              <a:rPr lang="ja-JP" altLang="en-US" sz="2200" dirty="0"/>
-              <a:t>に近いデータは、モデルにとって区別が難しく、予測のノイズとなっている可能性がある。</a:t>
-            </a:r>
-          </a:p>
-          <a:p>
-            <a:pPr lvl="1"/>
-            <a:r>
-              <a:rPr lang="ja-JP" altLang="en-US" sz="2200" b="1" dirty="0"/>
-              <a:t>仮説</a:t>
-            </a:r>
-            <a:r>
-              <a:rPr lang="en-US" altLang="ja-JP" sz="2200" dirty="0"/>
-              <a:t>: </a:t>
-            </a:r>
-            <a:r>
-              <a:rPr lang="ja-JP" altLang="en-US" sz="2200" dirty="0"/>
-              <a:t>変化がほとんどないデータを削除することで、モデルがより明確なパターンに集中し、精度が向上する。</a:t>
-            </a:r>
-          </a:p>
-          <a:p>
-            <a:pPr lvl="1"/>
-            <a:r>
-              <a:rPr lang="ja-JP" altLang="en-US" sz="2200" b="1" dirty="0"/>
-              <a:t>結果</a:t>
-            </a:r>
-            <a:r>
-              <a:rPr lang="en-US" altLang="ja-JP" sz="2200" dirty="0"/>
-              <a:t>:</a:t>
-            </a:r>
-          </a:p>
-          <a:p>
-            <a:pPr marL="0" indent="0">
-              <a:buNone/>
-            </a:pPr>
-            <a:endParaRPr kumimoji="1" lang="ja-JP" altLang="en-US" dirty="0"/>
+          <a:bodyPr/>
+          <a:lstStyle/>
+          <a:p>
+            <a:r>
+              <a:rPr lang="en-US" altLang="ja-JP" dirty="0"/>
+              <a:t>2</a:t>
+            </a:r>
+            <a:r>
+              <a:rPr lang="ja-JP" altLang="en-US" dirty="0"/>
+              <a:t>クラス分類であるため、ランダムに選んだ場合は精度は</a:t>
+            </a:r>
+            <a:r>
+              <a:rPr lang="en-US" altLang="ja-JP" dirty="0"/>
+              <a:t>0.5</a:t>
+            </a:r>
+          </a:p>
+          <a:p>
+            <a:r>
+              <a:rPr kumimoji="1" lang="ja-JP" altLang="en-US" dirty="0"/>
+              <a:t>この精度をどれだけ上げることができるか</a:t>
+            </a:r>
+            <a:endParaRPr kumimoji="1" lang="en-US" altLang="ja-JP" dirty="0"/>
+          </a:p>
+          <a:p>
+            <a:r>
+              <a:rPr lang="ja-JP" altLang="en-US" dirty="0"/>
+              <a:t>精度が</a:t>
+            </a:r>
+            <a:r>
+              <a:rPr lang="en-US" altLang="ja-JP" dirty="0"/>
+              <a:t>0.5</a:t>
+            </a:r>
+            <a:r>
+              <a:rPr lang="ja-JP" altLang="en-US" dirty="0"/>
+              <a:t>を超えると良い予測ができたと言える</a:t>
+            </a:r>
+            <a:endParaRPr lang="en-US" altLang="ja-JP" dirty="0"/>
+          </a:p>
+          <a:p>
+            <a:r>
+              <a:rPr kumimoji="1" lang="en-US" altLang="ja-JP" dirty="0"/>
+              <a:t>2022/8/1~2023/7/31</a:t>
+            </a:r>
+            <a:r>
+              <a:rPr kumimoji="1" lang="ja-JP" altLang="en-US" dirty="0"/>
+              <a:t>を検証データ、</a:t>
+            </a:r>
+            <a:r>
+              <a:rPr lang="en-US" altLang="ja-JP" dirty="0"/>
+              <a:t>2023/8/1~2024/7/31</a:t>
+            </a:r>
+            <a:r>
+              <a:rPr lang="ja-JP" altLang="en-US" dirty="0"/>
+              <a:t>をテストデータとする</a:t>
+            </a:r>
+            <a:endParaRPr lang="en-US" altLang="ja-JP" dirty="0"/>
+          </a:p>
+          <a:p>
+            <a:r>
+              <a:rPr kumimoji="1" lang="ja-JP" altLang="en-US" dirty="0"/>
+              <a:t>テストデータの</a:t>
+            </a:r>
+            <a:r>
+              <a:rPr kumimoji="1" lang="en-US" altLang="ja-JP" dirty="0"/>
+              <a:t>1</a:t>
+            </a:r>
+            <a:r>
+              <a:rPr kumimoji="1" lang="ja-JP" altLang="en-US" dirty="0"/>
+              <a:t>年間をどれだけ正確に予想できたかを評価指標とする</a:t>
+            </a:r>
           </a:p>
         </p:txBody>
       </p:sp>
@@ -5762,7 +5791,7 @@
                   <a:schemeClr val="bg1"/>
                 </a:solidFill>
               </a:rPr>
-              <a:t>検証内容</a:t>
+              <a:t>評価指標</a:t>
             </a:r>
             <a:endParaRPr kumimoji="1" lang="ja-JP" altLang="en-US" sz="3600" dirty="0">
               <a:solidFill>
@@ -5775,7 +5804,7 @@
     </p:spTree>
     <p:extLst>
       <p:ext uri="{BB962C8B-B14F-4D97-AF65-F5344CB8AC3E}">
-        <p14:creationId xmlns:p14="http://schemas.microsoft.com/office/powerpoint/2010/main" val="232695538"/>
+        <p14:creationId xmlns:p14="http://schemas.microsoft.com/office/powerpoint/2010/main" val="2290499356"/>
       </p:ext>
     </p:extLst>
   </p:cSld>
@@ -5820,28 +5849,269 @@
         </p:nvSpPr>
         <p:spPr>
           <a:xfrm>
-            <a:off x="570186" y="579072"/>
+            <a:off x="838200" y="543910"/>
             <a:ext cx="10515600" cy="1146778"/>
           </a:xfrm>
         </p:spPr>
         <p:txBody>
+          <a:bodyPr/>
+          <a:lstStyle/>
+          <a:p>
+            <a:r>
+              <a:rPr kumimoji="1" lang="ja-JP" altLang="en-US" dirty="0"/>
+              <a:t>検証内容一覧</a:t>
+            </a:r>
+          </a:p>
+        </p:txBody>
+      </p:sp>
+      <p:sp>
+        <p:nvSpPr>
+          <p:cNvPr id="3" name="コンテンツ プレースホルダー 2">
+            <a:extLst>
+              <a:ext uri="{FF2B5EF4-FFF2-40B4-BE49-F238E27FC236}">
+                <a16:creationId xmlns:a16="http://schemas.microsoft.com/office/drawing/2014/main" id="{15A2BAFB-9288-1EAE-AE9A-D8D9A7E545A7}"/>
+              </a:ext>
+            </a:extLst>
+          </p:cNvPr>
+          <p:cNvSpPr>
+            <a:spLocks noGrp="1"/>
+          </p:cNvSpPr>
+          <p:nvPr>
+            <p:ph idx="1"/>
+          </p:nvPr>
+        </p:nvSpPr>
+        <p:spPr/>
+        <p:txBody>
           <a:bodyPr>
-            <a:normAutofit/>
+            <a:normAutofit fontScale="77500" lnSpcReduction="20000"/>
           </a:bodyPr>
           <a:lstStyle/>
           <a:p>
             <a:r>
-              <a:rPr kumimoji="1" lang="ja-JP" altLang="en-US" dirty="0"/>
+              <a:rPr lang="ja-JP" altLang="en-US" sz="2200" b="1" dirty="0"/>
               <a:t>検証</a:t>
             </a:r>
             <a:r>
-              <a:rPr kumimoji="1" lang="en-US" altLang="ja-JP" dirty="0"/>
+              <a:rPr lang="en-US" altLang="ja-JP" sz="2200" b="1" dirty="0"/>
               <a:t>1: </a:t>
             </a:r>
             <a:r>
-              <a:rPr kumimoji="1" lang="ja-JP" altLang="en-US" dirty="0"/>
+              <a:rPr lang="ja-JP" altLang="en-US" sz="2200" b="1" dirty="0"/>
               <a:t>データ範囲の絞り込み</a:t>
             </a:r>
+          </a:p>
+          <a:p>
+            <a:pPr lvl="1"/>
+            <a:r>
+              <a:rPr lang="ja-JP" altLang="en-US" sz="2200" b="1" dirty="0"/>
+              <a:t>背景</a:t>
+            </a:r>
+            <a:r>
+              <a:rPr lang="en-US" altLang="ja-JP" sz="2200" dirty="0"/>
+              <a:t>: </a:t>
+            </a:r>
+            <a:r>
+              <a:rPr lang="ja-JP" altLang="en-US" sz="2200" dirty="0"/>
+              <a:t>バブル崩壊やリーマンショックのような大規模な経済イベントが発生した時のデータは、通常の市場環境とは異なり、外れ値となっている可能性がある。また、過去のトレンドと現在のトレンドが異なることから、古いデータは有用でないかもしれない。</a:t>
+            </a:r>
+          </a:p>
+          <a:p>
+            <a:pPr lvl="1"/>
+            <a:r>
+              <a:rPr lang="ja-JP" altLang="en-US" sz="2200" b="1" dirty="0"/>
+              <a:t>仮説</a:t>
+            </a:r>
+            <a:r>
+              <a:rPr lang="en-US" altLang="ja-JP" sz="2200" dirty="0"/>
+              <a:t>: </a:t>
+            </a:r>
+            <a:r>
+              <a:rPr lang="ja-JP" altLang="en-US" sz="2200" dirty="0"/>
+              <a:t>データ範囲を近年のデータに絞ることで、モデルの予測精度が向上する。</a:t>
+            </a:r>
+          </a:p>
+          <a:p>
+            <a:pPr lvl="1"/>
+            <a:r>
+              <a:rPr lang="ja-JP" altLang="en-US" sz="2200" b="1" dirty="0"/>
+              <a:t>結果</a:t>
+            </a:r>
+            <a:r>
+              <a:rPr lang="en-US" altLang="ja-JP" sz="2200" dirty="0"/>
+              <a:t>:</a:t>
+            </a:r>
+            <a:r>
+              <a:rPr lang="ja-JP" altLang="en-US" sz="2200" dirty="0"/>
+              <a:t>精度 </a:t>
+            </a:r>
+            <a:r>
+              <a:rPr lang="en-US" altLang="ja-JP" sz="2200" dirty="0"/>
+              <a:t>0.5165 </a:t>
+            </a:r>
+            <a:r>
+              <a:rPr lang="ja-JP" altLang="en-US" sz="2200" dirty="0"/>
+              <a:t>→　</a:t>
+            </a:r>
+            <a:r>
+              <a:rPr lang="en-US" altLang="ja-JP" sz="2200" dirty="0"/>
+              <a:t>0.5248</a:t>
+            </a:r>
+          </a:p>
+          <a:p>
+            <a:r>
+              <a:rPr lang="ja-JP" altLang="en-US" sz="2200" b="1" dirty="0"/>
+              <a:t>検証</a:t>
+            </a:r>
+            <a:r>
+              <a:rPr lang="en-US" altLang="ja-JP" sz="2200" b="1" dirty="0"/>
+              <a:t>2: </a:t>
+            </a:r>
+            <a:r>
+              <a:rPr lang="ja-JP" altLang="en-US" sz="2200" b="1" dirty="0"/>
+              <a:t>為替データの追加</a:t>
+            </a:r>
+          </a:p>
+          <a:p>
+            <a:pPr lvl="1"/>
+            <a:r>
+              <a:rPr lang="ja-JP" altLang="en-US" sz="2200" b="1" dirty="0"/>
+              <a:t>背景</a:t>
+            </a:r>
+            <a:r>
+              <a:rPr lang="en-US" altLang="ja-JP" sz="2200" dirty="0"/>
+              <a:t>: </a:t>
+            </a:r>
+            <a:r>
+              <a:rPr lang="ja-JP" altLang="en-US" sz="2200" dirty="0"/>
+              <a:t>株価と為替は相関があると考えられ、為替データを特徴量に追加することで、株価予測の精度が向上する可能性がある。</a:t>
+            </a:r>
+          </a:p>
+          <a:p>
+            <a:pPr lvl="1"/>
+            <a:r>
+              <a:rPr lang="ja-JP" altLang="en-US" sz="2200" b="1" dirty="0"/>
+              <a:t>仮説</a:t>
+            </a:r>
+            <a:r>
+              <a:rPr lang="en-US" altLang="ja-JP" sz="2200" dirty="0"/>
+              <a:t>: </a:t>
+            </a:r>
+            <a:r>
+              <a:rPr lang="ja-JP" altLang="en-US" sz="2200" dirty="0"/>
+              <a:t>過去の株価だけでなく、為替データを含めることで予測精度が向上する。</a:t>
+            </a:r>
+          </a:p>
+          <a:p>
+            <a:pPr lvl="1"/>
+            <a:r>
+              <a:rPr lang="ja-JP" altLang="en-US" sz="2200" b="1" dirty="0"/>
+              <a:t>結果</a:t>
+            </a:r>
+            <a:r>
+              <a:rPr lang="en-US" altLang="ja-JP" sz="2200" dirty="0"/>
+              <a:t>:</a:t>
+            </a:r>
+            <a:r>
+              <a:rPr lang="ja-JP" altLang="en-US" sz="2200" dirty="0"/>
+              <a:t>精度 </a:t>
+            </a:r>
+            <a:r>
+              <a:rPr lang="en-US" altLang="ja-JP" sz="2200" dirty="0"/>
+              <a:t>0.5248 </a:t>
+            </a:r>
+            <a:r>
+              <a:rPr lang="ja-JP" altLang="en-US" sz="2200" dirty="0"/>
+              <a:t>→　</a:t>
+            </a:r>
+            <a:r>
+              <a:rPr lang="en-US" altLang="ja-JP" sz="2200" dirty="0"/>
+              <a:t>0.5165</a:t>
+            </a:r>
+          </a:p>
+          <a:p>
+            <a:r>
+              <a:rPr lang="ja-JP" altLang="en-US" sz="2200" b="1" dirty="0"/>
+              <a:t>検証</a:t>
+            </a:r>
+            <a:r>
+              <a:rPr lang="en-US" altLang="ja-JP" sz="2200" b="1" dirty="0"/>
+              <a:t>3: </a:t>
+            </a:r>
+            <a:r>
+              <a:rPr lang="ja-JP" altLang="en-US" sz="2200" b="1" dirty="0"/>
+              <a:t>変化の少ないデータの削除</a:t>
+            </a:r>
+          </a:p>
+          <a:p>
+            <a:pPr lvl="1"/>
+            <a:r>
+              <a:rPr lang="ja-JP" altLang="en-US" sz="2200" b="1" dirty="0"/>
+              <a:t>背景</a:t>
+            </a:r>
+            <a:r>
+              <a:rPr lang="en-US" altLang="ja-JP" sz="2200" dirty="0"/>
+              <a:t>: </a:t>
+            </a:r>
+            <a:r>
+              <a:rPr lang="ja-JP" altLang="en-US" sz="2200" dirty="0"/>
+              <a:t>株価の変化率がほぼ</a:t>
+            </a:r>
+            <a:r>
+              <a:rPr lang="en-US" altLang="ja-JP" sz="2200" dirty="0"/>
+              <a:t>0</a:t>
+            </a:r>
+            <a:r>
+              <a:rPr lang="ja-JP" altLang="en-US" sz="2200" dirty="0"/>
+              <a:t>に近いデータは、モデルにとって区別が難しく、予測のノイズとなっている可能性がある。</a:t>
+            </a:r>
+          </a:p>
+          <a:p>
+            <a:pPr lvl="1"/>
+            <a:r>
+              <a:rPr lang="ja-JP" altLang="en-US" sz="2200" b="1" dirty="0"/>
+              <a:t>仮説</a:t>
+            </a:r>
+            <a:r>
+              <a:rPr lang="en-US" altLang="ja-JP" sz="2200" dirty="0"/>
+              <a:t>: </a:t>
+            </a:r>
+            <a:r>
+              <a:rPr lang="ja-JP" altLang="en-US" sz="2200" dirty="0"/>
+              <a:t>変化がほとんどないデータを削除することで、モデルがより明確なパターンに集中し、精度が向上する。</a:t>
+            </a:r>
+          </a:p>
+          <a:p>
+            <a:pPr lvl="1"/>
+            <a:r>
+              <a:rPr lang="ja-JP" altLang="en-US" sz="2200" b="1" dirty="0"/>
+              <a:t>結果</a:t>
+            </a:r>
+            <a:r>
+              <a:rPr lang="en-US" altLang="ja-JP" sz="2200" dirty="0"/>
+              <a:t>:</a:t>
+            </a:r>
+            <a:r>
+              <a:rPr lang="ja-JP" altLang="en-US" sz="2200" dirty="0"/>
+              <a:t>精度 </a:t>
+            </a:r>
+            <a:r>
+              <a:rPr lang="en-US" altLang="ja-JP" sz="2200" dirty="0"/>
+              <a:t>0.5248 </a:t>
+            </a:r>
+            <a:r>
+              <a:rPr lang="ja-JP" altLang="en-US" sz="2200" dirty="0"/>
+              <a:t>→ </a:t>
+            </a:r>
+            <a:r>
+              <a:rPr lang="en-US" altLang="ja-JP" sz="2200" dirty="0"/>
+              <a:t>0.5000</a:t>
+            </a:r>
+          </a:p>
+          <a:p>
+            <a:pPr marL="0" indent="0">
+              <a:buNone/>
+            </a:pPr>
+            <a:endParaRPr kumimoji="1" lang="ja-JP" altLang="en-US" dirty="0"/>
           </a:p>
         </p:txBody>
       </p:sp>
@@ -5880,6 +6150,123 @@
                 </a:solidFill>
               </a:rPr>
               <a:t>検証内容</a:t>
+            </a:r>
+            <a:endParaRPr kumimoji="1" lang="ja-JP" altLang="en-US" sz="3600" dirty="0">
+              <a:solidFill>
+                <a:schemeClr val="bg1"/>
+              </a:solidFill>
+            </a:endParaRPr>
+          </a:p>
+        </p:txBody>
+      </p:sp>
+    </p:spTree>
+    <p:extLst>
+      <p:ext uri="{BB962C8B-B14F-4D97-AF65-F5344CB8AC3E}">
+        <p14:creationId xmlns:p14="http://schemas.microsoft.com/office/powerpoint/2010/main" val="232695538"/>
+      </p:ext>
+    </p:extLst>
+  </p:cSld>
+  <p:clrMapOvr>
+    <a:masterClrMapping/>
+  </p:clrMapOvr>
+</p:sld>
+</file>
+
+<file path=ppt/slides/slide12.xml><?xml version="1.0" encoding="utf-8"?>
+<p:sld xmlns:a="http://schemas.openxmlformats.org/drawingml/2006/main" xmlns:r="http://schemas.openxmlformats.org/officeDocument/2006/relationships" xmlns:p="http://schemas.openxmlformats.org/presentationml/2006/main">
+  <p:cSld>
+    <p:spTree>
+      <p:nvGrpSpPr>
+        <p:cNvPr id="1" name=""/>
+        <p:cNvGrpSpPr/>
+        <p:nvPr/>
+      </p:nvGrpSpPr>
+      <p:grpSpPr>
+        <a:xfrm>
+          <a:off x="0" y="0"/>
+          <a:ext cx="0" cy="0"/>
+          <a:chOff x="0" y="0"/>
+          <a:chExt cx="0" cy="0"/>
+        </a:xfrm>
+      </p:grpSpPr>
+      <p:sp>
+        <p:nvSpPr>
+          <p:cNvPr id="2" name="タイトル 1">
+            <a:extLst>
+              <a:ext uri="{FF2B5EF4-FFF2-40B4-BE49-F238E27FC236}">
+                <a16:creationId xmlns:a16="http://schemas.microsoft.com/office/drawing/2014/main" id="{76EC795A-1913-B280-703C-7E559E713909}"/>
+              </a:ext>
+            </a:extLst>
+          </p:cNvPr>
+          <p:cNvSpPr>
+            <a:spLocks noGrp="1"/>
+          </p:cNvSpPr>
+          <p:nvPr>
+            <p:ph type="title"/>
+          </p:nvPr>
+        </p:nvSpPr>
+        <p:spPr>
+          <a:xfrm>
+            <a:off x="570186" y="579072"/>
+            <a:ext cx="10515600" cy="1146778"/>
+          </a:xfrm>
+        </p:spPr>
+        <p:txBody>
+          <a:bodyPr>
+            <a:normAutofit/>
+          </a:bodyPr>
+          <a:lstStyle/>
+          <a:p>
+            <a:r>
+              <a:rPr kumimoji="1" lang="ja-JP" altLang="en-US" dirty="0"/>
+              <a:t>検証</a:t>
+            </a:r>
+            <a:r>
+              <a:rPr kumimoji="1" lang="en-US" altLang="ja-JP" dirty="0"/>
+              <a:t>1: </a:t>
+            </a:r>
+            <a:r>
+              <a:rPr kumimoji="1" lang="ja-JP" altLang="en-US" dirty="0"/>
+              <a:t>データ範囲の絞り込み</a:t>
+            </a:r>
+          </a:p>
+        </p:txBody>
+      </p:sp>
+      <p:sp>
+        <p:nvSpPr>
+          <p:cNvPr id="5" name="テキスト ボックス 4">
+            <a:extLst>
+              <a:ext uri="{FF2B5EF4-FFF2-40B4-BE49-F238E27FC236}">
+                <a16:creationId xmlns:a16="http://schemas.microsoft.com/office/drawing/2014/main" id="{84A4A20E-A1EE-B4E2-CBB1-90946A877031}"/>
+              </a:ext>
+            </a:extLst>
+          </p:cNvPr>
+          <p:cNvSpPr txBox="1"/>
+          <p:nvPr/>
+        </p:nvSpPr>
+        <p:spPr>
+          <a:xfrm>
+            <a:off x="141890" y="0"/>
+            <a:ext cx="10570779" cy="646331"/>
+          </a:xfrm>
+          <a:prstGeom prst="rect">
+            <a:avLst/>
+          </a:prstGeom>
+          <a:noFill/>
+        </p:spPr>
+        <p:txBody>
+          <a:bodyPr wrap="square" rtlCol="0">
+            <a:spAutoFit/>
+          </a:bodyPr>
+          <a:lstStyle/>
+          <a:p>
+            <a:r>
+              <a:rPr lang="ja-JP" altLang="en-US" sz="3600" dirty="0">
+                <a:solidFill>
+                  <a:schemeClr val="bg1"/>
+                </a:solidFill>
+              </a:rPr>
+              <a:t>検証結果</a:t>
             </a:r>
             <a:r>
               <a:rPr lang="en-US" altLang="ja-JP" sz="3600" dirty="0">
@@ -6314,7 +6701,7 @@
 </p:sld>
 </file>
 
-<file path=ppt/slides/slide12.xml><?xml version="1.0" encoding="utf-8"?>
+<file path=ppt/slides/slide13.xml><?xml version="1.0" encoding="utf-8"?>
 <p:sld xmlns:a="http://schemas.openxmlformats.org/drawingml/2006/main" xmlns:r="http://schemas.openxmlformats.org/officeDocument/2006/relationships" xmlns:p="http://schemas.openxmlformats.org/presentationml/2006/main">
   <p:cSld>
     <p:spTree>
@@ -6408,7 +6795,7 @@
                   <a:schemeClr val="bg1"/>
                 </a:solidFill>
               </a:rPr>
-              <a:t>検証内容</a:t>
+              <a:t>検証結果</a:t>
             </a:r>
             <a:r>
               <a:rPr kumimoji="1" lang="en-US" altLang="ja-JP" sz="3600" dirty="0">
@@ -6851,7 +7238,7 @@
 </p:sld>
 </file>
 
-<file path=ppt/slides/slide13.xml><?xml version="1.0" encoding="utf-8"?>
+<file path=ppt/slides/slide14.xml><?xml version="1.0" encoding="utf-8"?>
 <p:sld xmlns:a="http://schemas.openxmlformats.org/drawingml/2006/main" xmlns:r="http://schemas.openxmlformats.org/officeDocument/2006/relationships" xmlns:p="http://schemas.openxmlformats.org/presentationml/2006/main">
   <p:cSld>
     <p:spTree>
@@ -6945,7 +7332,7 @@
                   <a:schemeClr val="bg1"/>
                 </a:solidFill>
               </a:rPr>
-              <a:t>検証内容</a:t>
+              <a:t>検証結果</a:t>
             </a:r>
             <a:r>
               <a:rPr lang="en-US" altLang="ja-JP" sz="3600" dirty="0">
@@ -7396,7 +7783,7 @@
 </p:sld>
 </file>
 
-<file path=ppt/slides/slide14.xml><?xml version="1.0" encoding="utf-8"?>
+<file path=ppt/slides/slide15.xml><?xml version="1.0" encoding="utf-8"?>
 <p:sld xmlns:a="http://schemas.openxmlformats.org/drawingml/2006/main" xmlns:r="http://schemas.openxmlformats.org/officeDocument/2006/relationships" xmlns:p="http://schemas.openxmlformats.org/presentationml/2006/main">
   <p:cSld>
     <p:spTree>
@@ -7622,10 +8009,81 @@
       </p:grpSpPr>
       <p:sp>
         <p:nvSpPr>
-          <p:cNvPr id="2" name="タイトル 1">
-            <a:extLst>
-              <a:ext uri="{FF2B5EF4-FFF2-40B4-BE49-F238E27FC236}">
-                <a16:creationId xmlns:a16="http://schemas.microsoft.com/office/drawing/2014/main" id="{76EC795A-1913-B280-703C-7E559E713909}"/>
+          <p:cNvPr id="2" name="コンテンツ プレースホルダー 1">
+            <a:extLst>
+              <a:ext uri="{FF2B5EF4-FFF2-40B4-BE49-F238E27FC236}">
+                <a16:creationId xmlns:a16="http://schemas.microsoft.com/office/drawing/2014/main" id="{32567860-999B-A554-43ED-A2A04F11993B}"/>
+              </a:ext>
+            </a:extLst>
+          </p:cNvPr>
+          <p:cNvSpPr>
+            <a:spLocks noGrp="1"/>
+          </p:cNvSpPr>
+          <p:nvPr>
+            <p:ph idx="1"/>
+          </p:nvPr>
+        </p:nvSpPr>
+        <p:spPr/>
+        <p:txBody>
+          <a:bodyPr/>
+          <a:lstStyle/>
+          <a:p>
+            <a:r>
+              <a:rPr kumimoji="1" lang="ja-JP" altLang="en-US" dirty="0"/>
+              <a:t>背景</a:t>
+            </a:r>
+            <a:endParaRPr kumimoji="1" lang="en-US" altLang="ja-JP" dirty="0"/>
+          </a:p>
+          <a:p>
+            <a:r>
+              <a:rPr lang="ja-JP" altLang="en-US" dirty="0"/>
+              <a:t>データ分析の結果</a:t>
+            </a:r>
+            <a:endParaRPr lang="en-US" altLang="ja-JP" dirty="0"/>
+          </a:p>
+          <a:p>
+            <a:r>
+              <a:rPr kumimoji="1" lang="ja-JP" altLang="en-US" dirty="0"/>
+              <a:t>技術概要</a:t>
+            </a:r>
+            <a:endParaRPr kumimoji="1" lang="en-US" altLang="ja-JP" dirty="0"/>
+          </a:p>
+          <a:p>
+            <a:r>
+              <a:rPr kumimoji="1" lang="ja-JP" altLang="en-US" dirty="0"/>
+              <a:t>評価指標</a:t>
+            </a:r>
+            <a:endParaRPr kumimoji="1" lang="en-US" altLang="ja-JP" dirty="0"/>
+          </a:p>
+          <a:p>
+            <a:r>
+              <a:rPr lang="ja-JP" altLang="en-US" dirty="0"/>
+              <a:t>検証内容</a:t>
+            </a:r>
+            <a:endParaRPr lang="en-US" altLang="ja-JP" dirty="0"/>
+          </a:p>
+          <a:p>
+            <a:r>
+              <a:rPr kumimoji="1" lang="ja-JP" altLang="en-US" dirty="0"/>
+              <a:t>検証結果</a:t>
+            </a:r>
+            <a:endParaRPr kumimoji="1" lang="en-US" altLang="ja-JP" dirty="0"/>
+          </a:p>
+          <a:p>
+            <a:r>
+              <a:rPr lang="ja-JP" altLang="en-US" dirty="0"/>
+              <a:t>まとめ</a:t>
+            </a:r>
+            <a:endParaRPr kumimoji="1" lang="ja-JP" altLang="en-US" dirty="0"/>
+          </a:p>
+        </p:txBody>
+      </p:sp>
+      <p:sp>
+        <p:nvSpPr>
+          <p:cNvPr id="3" name="タイトル 2">
+            <a:extLst>
+              <a:ext uri="{FF2B5EF4-FFF2-40B4-BE49-F238E27FC236}">
+                <a16:creationId xmlns:a16="http://schemas.microsoft.com/office/drawing/2014/main" id="{F075CCC8-1346-93D1-603D-A699A9E4042C}"/>
               </a:ext>
             </a:extLst>
           </p:cNvPr>
@@ -7636,168 +8094,22 @@
             <p:ph type="title"/>
           </p:nvPr>
         </p:nvSpPr>
-        <p:spPr>
-          <a:xfrm>
-            <a:off x="838200" y="543910"/>
-            <a:ext cx="10515600" cy="1146778"/>
-          </a:xfrm>
-        </p:spPr>
+        <p:spPr/>
         <p:txBody>
           <a:bodyPr/>
           <a:lstStyle/>
           <a:p>
             <a:r>
               <a:rPr kumimoji="1" lang="ja-JP" altLang="en-US" dirty="0"/>
-              <a:t>株価の予測の重要性と課題</a:t>
-            </a:r>
-          </a:p>
-        </p:txBody>
-      </p:sp>
-      <p:sp>
-        <p:nvSpPr>
-          <p:cNvPr id="3" name="コンテンツ プレースホルダー 2">
-            <a:extLst>
-              <a:ext uri="{FF2B5EF4-FFF2-40B4-BE49-F238E27FC236}">
-                <a16:creationId xmlns:a16="http://schemas.microsoft.com/office/drawing/2014/main" id="{15A2BAFB-9288-1EAE-AE9A-D8D9A7E545A7}"/>
-              </a:ext>
-            </a:extLst>
-          </p:cNvPr>
-          <p:cNvSpPr>
-            <a:spLocks noGrp="1"/>
-          </p:cNvSpPr>
-          <p:nvPr>
-            <p:ph idx="1"/>
-          </p:nvPr>
-        </p:nvSpPr>
-        <p:spPr>
-          <a:xfrm>
-            <a:off x="838200" y="1690688"/>
-            <a:ext cx="10515600" cy="4781057"/>
-          </a:xfrm>
-        </p:spPr>
-        <p:txBody>
-          <a:bodyPr/>
-          <a:lstStyle/>
-          <a:p>
-            <a:r>
-              <a:rPr kumimoji="1" lang="ja-JP" altLang="en-US" dirty="0"/>
-              <a:t>株価予測の利点</a:t>
-            </a:r>
-            <a:endParaRPr kumimoji="1" lang="en-US" altLang="ja-JP" dirty="0"/>
-          </a:p>
-          <a:p>
-            <a:pPr lvl="1"/>
-            <a:r>
-              <a:rPr kumimoji="1" lang="ja-JP" altLang="en-US" dirty="0"/>
-              <a:t>リスク管理</a:t>
-            </a:r>
-            <a:endParaRPr kumimoji="1" lang="en-US" altLang="ja-JP" dirty="0"/>
-          </a:p>
-          <a:p>
-            <a:pPr lvl="1"/>
-            <a:r>
-              <a:rPr lang="ja-JP" altLang="en-US" dirty="0"/>
-              <a:t>資産運用</a:t>
-            </a:r>
-            <a:endParaRPr lang="en-US" altLang="ja-JP" dirty="0"/>
-          </a:p>
-          <a:p>
-            <a:pPr marL="457200" lvl="1" indent="0">
-              <a:buNone/>
-            </a:pPr>
-            <a:endParaRPr lang="en-US" altLang="ja-JP" dirty="0"/>
-          </a:p>
-          <a:p>
-            <a:r>
-              <a:rPr lang="ja-JP" altLang="en-US" dirty="0"/>
-              <a:t>株価予測の課題</a:t>
-            </a:r>
-            <a:endParaRPr lang="en-US" altLang="ja-JP" dirty="0"/>
-          </a:p>
-          <a:p>
-            <a:pPr lvl="1"/>
-            <a:r>
-              <a:rPr lang="ja-JP" altLang="en-US" dirty="0"/>
-              <a:t>市場の変動性</a:t>
-            </a:r>
-            <a:endParaRPr lang="en-US" altLang="ja-JP" dirty="0"/>
-          </a:p>
-          <a:p>
-            <a:pPr lvl="1"/>
-            <a:r>
-              <a:rPr lang="ja-JP" altLang="en-US" dirty="0"/>
-              <a:t>ノイズ</a:t>
-            </a:r>
-            <a:endParaRPr lang="en-US" altLang="ja-JP" dirty="0"/>
-          </a:p>
-          <a:p>
-            <a:pPr lvl="1"/>
-            <a:r>
-              <a:rPr lang="ja-JP" altLang="en-US" dirty="0"/>
-              <a:t>非線形性</a:t>
-            </a:r>
-            <a:endParaRPr lang="en-US" altLang="ja-JP" dirty="0"/>
-          </a:p>
-          <a:p>
-            <a:pPr marL="0" indent="0">
-              <a:buNone/>
-            </a:pPr>
-            <a:endParaRPr lang="en-US" altLang="ja-JP" dirty="0"/>
-          </a:p>
-          <a:p>
-            <a:pPr lvl="1"/>
-            <a:endParaRPr lang="en-US" altLang="ja-JP" dirty="0"/>
-          </a:p>
-        </p:txBody>
-      </p:sp>
-      <p:sp>
-        <p:nvSpPr>
-          <p:cNvPr id="5" name="テキスト ボックス 4">
-            <a:extLst>
-              <a:ext uri="{FF2B5EF4-FFF2-40B4-BE49-F238E27FC236}">
-                <a16:creationId xmlns:a16="http://schemas.microsoft.com/office/drawing/2014/main" id="{84A4A20E-A1EE-B4E2-CBB1-90946A877031}"/>
-              </a:ext>
-            </a:extLst>
-          </p:cNvPr>
-          <p:cNvSpPr txBox="1"/>
-          <p:nvPr/>
-        </p:nvSpPr>
-        <p:spPr>
-          <a:xfrm>
-            <a:off x="323193" y="0"/>
-            <a:ext cx="10570779" cy="646331"/>
-          </a:xfrm>
-          <a:prstGeom prst="rect">
-            <a:avLst/>
-          </a:prstGeom>
-          <a:noFill/>
-        </p:spPr>
-        <p:txBody>
-          <a:bodyPr wrap="square" rtlCol="0">
-            <a:spAutoFit/>
-          </a:bodyPr>
-          <a:lstStyle/>
-          <a:p>
-            <a:r>
-              <a:rPr lang="ja-JP" altLang="en-US" sz="3600" dirty="0">
-                <a:solidFill>
-                  <a:schemeClr val="bg1"/>
-                </a:solidFill>
-              </a:rPr>
-              <a:t>背景</a:t>
-            </a:r>
-            <a:endParaRPr kumimoji="1" lang="ja-JP" altLang="en-US" sz="3600" dirty="0">
-              <a:solidFill>
-                <a:schemeClr val="bg1"/>
-              </a:solidFill>
-            </a:endParaRPr>
+              <a:t>目次</a:t>
+            </a:r>
           </a:p>
         </p:txBody>
       </p:sp>
     </p:spTree>
     <p:extLst>
       <p:ext uri="{BB962C8B-B14F-4D97-AF65-F5344CB8AC3E}">
-        <p14:creationId xmlns:p14="http://schemas.microsoft.com/office/powerpoint/2010/main" val="165340178"/>
+        <p14:creationId xmlns:p14="http://schemas.microsoft.com/office/powerpoint/2010/main" val="4193824295"/>
       </p:ext>
     </p:extLst>
   </p:cSld>
@@ -7851,6 +8163,210 @@
           <a:lstStyle/>
           <a:p>
             <a:r>
+              <a:rPr kumimoji="1" lang="ja-JP" altLang="en-US" dirty="0"/>
+              <a:t>株価の予測の重要性と課題</a:t>
+            </a:r>
+          </a:p>
+        </p:txBody>
+      </p:sp>
+      <p:sp>
+        <p:nvSpPr>
+          <p:cNvPr id="3" name="コンテンツ プレースホルダー 2">
+            <a:extLst>
+              <a:ext uri="{FF2B5EF4-FFF2-40B4-BE49-F238E27FC236}">
+                <a16:creationId xmlns:a16="http://schemas.microsoft.com/office/drawing/2014/main" id="{15A2BAFB-9288-1EAE-AE9A-D8D9A7E545A7}"/>
+              </a:ext>
+            </a:extLst>
+          </p:cNvPr>
+          <p:cNvSpPr>
+            <a:spLocks noGrp="1"/>
+          </p:cNvSpPr>
+          <p:nvPr>
+            <p:ph idx="1"/>
+          </p:nvPr>
+        </p:nvSpPr>
+        <p:spPr>
+          <a:xfrm>
+            <a:off x="838200" y="1690688"/>
+            <a:ext cx="10515600" cy="4781057"/>
+          </a:xfrm>
+        </p:spPr>
+        <p:txBody>
+          <a:bodyPr/>
+          <a:lstStyle/>
+          <a:p>
+            <a:r>
+              <a:rPr kumimoji="1" lang="ja-JP" altLang="en-US" dirty="0"/>
+              <a:t>株価予測の利点</a:t>
+            </a:r>
+            <a:endParaRPr kumimoji="1" lang="en-US" altLang="ja-JP" dirty="0"/>
+          </a:p>
+          <a:p>
+            <a:pPr lvl="1"/>
+            <a:r>
+              <a:rPr kumimoji="1" lang="ja-JP" altLang="en-US" dirty="0"/>
+              <a:t>リスク管理</a:t>
+            </a:r>
+            <a:endParaRPr kumimoji="1" lang="en-US" altLang="ja-JP" dirty="0"/>
+          </a:p>
+          <a:p>
+            <a:pPr lvl="1"/>
+            <a:r>
+              <a:rPr lang="ja-JP" altLang="en-US" dirty="0"/>
+              <a:t>資産運用</a:t>
+            </a:r>
+            <a:endParaRPr lang="en-US" altLang="ja-JP" dirty="0"/>
+          </a:p>
+          <a:p>
+            <a:pPr marL="457200" lvl="1" indent="0">
+              <a:buNone/>
+            </a:pPr>
+            <a:endParaRPr lang="en-US" altLang="ja-JP" dirty="0"/>
+          </a:p>
+          <a:p>
+            <a:r>
+              <a:rPr lang="ja-JP" altLang="en-US" dirty="0"/>
+              <a:t>株価予測の課題</a:t>
+            </a:r>
+            <a:endParaRPr lang="en-US" altLang="ja-JP" dirty="0"/>
+          </a:p>
+          <a:p>
+            <a:pPr lvl="1"/>
+            <a:r>
+              <a:rPr lang="ja-JP" altLang="en-US" dirty="0"/>
+              <a:t>市場の変動性</a:t>
+            </a:r>
+            <a:endParaRPr lang="en-US" altLang="ja-JP" dirty="0"/>
+          </a:p>
+          <a:p>
+            <a:pPr lvl="1"/>
+            <a:r>
+              <a:rPr lang="ja-JP" altLang="en-US" dirty="0"/>
+              <a:t>ノイズ</a:t>
+            </a:r>
+            <a:endParaRPr lang="en-US" altLang="ja-JP" dirty="0"/>
+          </a:p>
+          <a:p>
+            <a:pPr lvl="1"/>
+            <a:r>
+              <a:rPr lang="ja-JP" altLang="en-US" dirty="0"/>
+              <a:t>非線形性</a:t>
+            </a:r>
+            <a:endParaRPr lang="en-US" altLang="ja-JP" dirty="0"/>
+          </a:p>
+          <a:p>
+            <a:pPr marL="0" indent="0">
+              <a:buNone/>
+            </a:pPr>
+            <a:endParaRPr lang="en-US" altLang="ja-JP" dirty="0"/>
+          </a:p>
+          <a:p>
+            <a:pPr lvl="1"/>
+            <a:endParaRPr lang="en-US" altLang="ja-JP" dirty="0"/>
+          </a:p>
+        </p:txBody>
+      </p:sp>
+      <p:sp>
+        <p:nvSpPr>
+          <p:cNvPr id="5" name="テキスト ボックス 4">
+            <a:extLst>
+              <a:ext uri="{FF2B5EF4-FFF2-40B4-BE49-F238E27FC236}">
+                <a16:creationId xmlns:a16="http://schemas.microsoft.com/office/drawing/2014/main" id="{84A4A20E-A1EE-B4E2-CBB1-90946A877031}"/>
+              </a:ext>
+            </a:extLst>
+          </p:cNvPr>
+          <p:cNvSpPr txBox="1"/>
+          <p:nvPr/>
+        </p:nvSpPr>
+        <p:spPr>
+          <a:xfrm>
+            <a:off x="323193" y="0"/>
+            <a:ext cx="10570779" cy="646331"/>
+          </a:xfrm>
+          <a:prstGeom prst="rect">
+            <a:avLst/>
+          </a:prstGeom>
+          <a:noFill/>
+        </p:spPr>
+        <p:txBody>
+          <a:bodyPr wrap="square" rtlCol="0">
+            <a:spAutoFit/>
+          </a:bodyPr>
+          <a:lstStyle/>
+          <a:p>
+            <a:r>
+              <a:rPr lang="ja-JP" altLang="en-US" sz="3600" dirty="0">
+                <a:solidFill>
+                  <a:schemeClr val="bg1"/>
+                </a:solidFill>
+              </a:rPr>
+              <a:t>背景</a:t>
+            </a:r>
+            <a:endParaRPr kumimoji="1" lang="ja-JP" altLang="en-US" sz="3600" dirty="0">
+              <a:solidFill>
+                <a:schemeClr val="bg1"/>
+              </a:solidFill>
+            </a:endParaRPr>
+          </a:p>
+        </p:txBody>
+      </p:sp>
+    </p:spTree>
+    <p:extLst>
+      <p:ext uri="{BB962C8B-B14F-4D97-AF65-F5344CB8AC3E}">
+        <p14:creationId xmlns:p14="http://schemas.microsoft.com/office/powerpoint/2010/main" val="165340178"/>
+      </p:ext>
+    </p:extLst>
+  </p:cSld>
+  <p:clrMapOvr>
+    <a:masterClrMapping/>
+  </p:clrMapOvr>
+</p:sld>
+</file>
+
+<file path=ppt/slides/slide4.xml><?xml version="1.0" encoding="utf-8"?>
+<p:sld xmlns:a="http://schemas.openxmlformats.org/drawingml/2006/main" xmlns:r="http://schemas.openxmlformats.org/officeDocument/2006/relationships" xmlns:p="http://schemas.openxmlformats.org/presentationml/2006/main">
+  <p:cSld>
+    <p:spTree>
+      <p:nvGrpSpPr>
+        <p:cNvPr id="1" name=""/>
+        <p:cNvGrpSpPr/>
+        <p:nvPr/>
+      </p:nvGrpSpPr>
+      <p:grpSpPr>
+        <a:xfrm>
+          <a:off x="0" y="0"/>
+          <a:ext cx="0" cy="0"/>
+          <a:chOff x="0" y="0"/>
+          <a:chExt cx="0" cy="0"/>
+        </a:xfrm>
+      </p:grpSpPr>
+      <p:sp>
+        <p:nvSpPr>
+          <p:cNvPr id="2" name="タイトル 1">
+            <a:extLst>
+              <a:ext uri="{FF2B5EF4-FFF2-40B4-BE49-F238E27FC236}">
+                <a16:creationId xmlns:a16="http://schemas.microsoft.com/office/drawing/2014/main" id="{76EC795A-1913-B280-703C-7E559E713909}"/>
+              </a:ext>
+            </a:extLst>
+          </p:cNvPr>
+          <p:cNvSpPr>
+            <a:spLocks noGrp="1"/>
+          </p:cNvSpPr>
+          <p:nvPr>
+            <p:ph type="title"/>
+          </p:nvPr>
+        </p:nvSpPr>
+        <p:spPr>
+          <a:xfrm>
+            <a:off x="838200" y="543910"/>
+            <a:ext cx="10515600" cy="1146778"/>
+          </a:xfrm>
+        </p:spPr>
+        <p:txBody>
+          <a:bodyPr/>
+          <a:lstStyle/>
+          <a:p>
+            <a:r>
               <a:rPr lang="ja-JP" altLang="en-US" dirty="0"/>
               <a:t>今回の目標</a:t>
             </a:r>
@@ -7886,7 +8402,7 @@
           <a:p>
             <a:r>
               <a:rPr lang="ja-JP" altLang="en-US" sz="3200" dirty="0"/>
-              <a:t>翌日の株価が上昇するか加工するかを予測する</a:t>
+              <a:t>翌日の株価が上昇するか下降するかを予測する</a:t>
             </a:r>
             <a:endParaRPr lang="en-US" altLang="ja-JP" sz="3200" dirty="0"/>
           </a:p>
@@ -7981,7 +8497,7 @@
 </p:sld>
 </file>
 
-<file path=ppt/slides/slide4.xml><?xml version="1.0" encoding="utf-8"?>
+<file path=ppt/slides/slide5.xml><?xml version="1.0" encoding="utf-8"?>
 <p:sld xmlns:a="http://schemas.openxmlformats.org/drawingml/2006/main" xmlns:r="http://schemas.openxmlformats.org/officeDocument/2006/relationships" xmlns:p="http://schemas.openxmlformats.org/presentationml/2006/main">
   <p:cSld>
     <p:spTree>
@@ -8151,7 +8667,7 @@
 </p:sld>
 </file>
 
-<file path=ppt/slides/slide5.xml><?xml version="1.0" encoding="utf-8"?>
+<file path=ppt/slides/slide6.xml><?xml version="1.0" encoding="utf-8"?>
 <p:sld xmlns:a="http://schemas.openxmlformats.org/drawingml/2006/main" xmlns:r="http://schemas.openxmlformats.org/officeDocument/2006/relationships" xmlns:p="http://schemas.openxmlformats.org/presentationml/2006/main">
   <p:cSld>
     <p:spTree>
@@ -8394,7 +8910,7 @@
 </p:sld>
 </file>
 
-<file path=ppt/slides/slide6.xml><?xml version="1.0" encoding="utf-8"?>
+<file path=ppt/slides/slide7.xml><?xml version="1.0" encoding="utf-8"?>
 <p:sld xmlns:a="http://schemas.openxmlformats.org/drawingml/2006/main" xmlns:r="http://schemas.openxmlformats.org/officeDocument/2006/relationships" xmlns:p="http://schemas.openxmlformats.org/presentationml/2006/main">
   <p:cSld>
     <p:spTree>
@@ -8581,262 +9097,6 @@
 </p:sld>
 </file>
 
-<file path=ppt/slides/slide7.xml><?xml version="1.0" encoding="utf-8"?>
-<p:sld xmlns:a="http://schemas.openxmlformats.org/drawingml/2006/main" xmlns:r="http://schemas.openxmlformats.org/officeDocument/2006/relationships" xmlns:p="http://schemas.openxmlformats.org/presentationml/2006/main">
-  <p:cSld>
-    <p:spTree>
-      <p:nvGrpSpPr>
-        <p:cNvPr id="1" name=""/>
-        <p:cNvGrpSpPr/>
-        <p:nvPr/>
-      </p:nvGrpSpPr>
-      <p:grpSpPr>
-        <a:xfrm>
-          <a:off x="0" y="0"/>
-          <a:ext cx="0" cy="0"/>
-          <a:chOff x="0" y="0"/>
-          <a:chExt cx="0" cy="0"/>
-        </a:xfrm>
-      </p:grpSpPr>
-      <p:sp>
-        <p:nvSpPr>
-          <p:cNvPr id="2" name="タイトル 1">
-            <a:extLst>
-              <a:ext uri="{FF2B5EF4-FFF2-40B4-BE49-F238E27FC236}">
-                <a16:creationId xmlns:a16="http://schemas.microsoft.com/office/drawing/2014/main" id="{76EC795A-1913-B280-703C-7E559E713909}"/>
-              </a:ext>
-            </a:extLst>
-          </p:cNvPr>
-          <p:cNvSpPr>
-            <a:spLocks noGrp="1"/>
-          </p:cNvSpPr>
-          <p:nvPr>
-            <p:ph type="title"/>
-          </p:nvPr>
-        </p:nvSpPr>
-        <p:spPr>
-          <a:xfrm>
-            <a:off x="838200" y="543910"/>
-            <a:ext cx="10515600" cy="1146778"/>
-          </a:xfrm>
-        </p:spPr>
-        <p:txBody>
-          <a:bodyPr/>
-          <a:lstStyle/>
-          <a:p>
-            <a:r>
-              <a:rPr lang="en-US" altLang="ja-JP" dirty="0"/>
-              <a:t>LSTM</a:t>
-            </a:r>
-            <a:r>
-              <a:rPr lang="ja-JP" altLang="en-US" dirty="0"/>
-              <a:t>による</a:t>
-            </a:r>
-            <a:r>
-              <a:rPr lang="en-US" altLang="ja-JP" dirty="0"/>
-              <a:t>2</a:t>
-            </a:r>
-            <a:r>
-              <a:rPr lang="ja-JP" altLang="en-US" dirty="0"/>
-              <a:t>クラス分類</a:t>
-            </a:r>
-            <a:endParaRPr kumimoji="1" lang="ja-JP" altLang="en-US" dirty="0"/>
-          </a:p>
-        </p:txBody>
-      </p:sp>
-      <p:sp>
-        <p:nvSpPr>
-          <p:cNvPr id="3" name="コンテンツ プレースホルダー 2">
-            <a:extLst>
-              <a:ext uri="{FF2B5EF4-FFF2-40B4-BE49-F238E27FC236}">
-                <a16:creationId xmlns:a16="http://schemas.microsoft.com/office/drawing/2014/main" id="{15A2BAFB-9288-1EAE-AE9A-D8D9A7E545A7}"/>
-              </a:ext>
-            </a:extLst>
-          </p:cNvPr>
-          <p:cNvSpPr>
-            <a:spLocks noGrp="1"/>
-          </p:cNvSpPr>
-          <p:nvPr>
-            <p:ph idx="1"/>
-          </p:nvPr>
-        </p:nvSpPr>
-        <p:spPr/>
-        <p:txBody>
-          <a:bodyPr>
-            <a:normAutofit lnSpcReduction="10000"/>
-          </a:bodyPr>
-          <a:lstStyle/>
-          <a:p>
-            <a:r>
-              <a:rPr lang="ja-JP" altLang="en-US" dirty="0"/>
-              <a:t>クラス分類選定理由</a:t>
-            </a:r>
-            <a:endParaRPr lang="en-US" altLang="ja-JP" dirty="0"/>
-          </a:p>
-          <a:p>
-            <a:pPr lvl="1"/>
-            <a:r>
-              <a:rPr lang="ja-JP" altLang="en-US" dirty="0"/>
-              <a:t>終値を予測する回帰で行うと、前日の終値をそのまま次の日の終値の予測値として用いるような単純なモデルでも、高い精度がでる。そのため、機械学習でどの程度正確に予想できたかの評価が難しい。</a:t>
-            </a:r>
-            <a:endParaRPr lang="en-US" altLang="ja-JP" dirty="0"/>
-          </a:p>
-          <a:p>
-            <a:pPr lvl="1"/>
-            <a:r>
-              <a:rPr lang="ja-JP" altLang="en-US" dirty="0"/>
-              <a:t>クラス分類は、単純な予想では精度が</a:t>
-            </a:r>
-            <a:r>
-              <a:rPr lang="en-US" altLang="ja-JP" dirty="0"/>
-              <a:t>0.5</a:t>
-            </a:r>
-            <a:r>
-              <a:rPr lang="ja-JP" altLang="en-US" dirty="0"/>
-              <a:t>であるため、評価が容易</a:t>
-            </a:r>
-            <a:endParaRPr lang="en-US" altLang="ja-JP" dirty="0"/>
-          </a:p>
-          <a:p>
-            <a:pPr lvl="1"/>
-            <a:r>
-              <a:rPr lang="ja-JP" altLang="en-US" dirty="0"/>
-              <a:t>短期投資をするときに気になるのは株価が上がるか、下がるかである</a:t>
-            </a:r>
-            <a:endParaRPr lang="en-US" altLang="ja-JP" dirty="0"/>
-          </a:p>
-          <a:p>
-            <a:r>
-              <a:rPr lang="en-US" altLang="ja-JP" dirty="0"/>
-              <a:t>LSTM</a:t>
-            </a:r>
-            <a:r>
-              <a:rPr lang="ja-JP" altLang="en-US" dirty="0"/>
-              <a:t>選定理由</a:t>
-            </a:r>
-            <a:endParaRPr lang="en-US" altLang="ja-JP" dirty="0"/>
-          </a:p>
-          <a:p>
-            <a:pPr lvl="1"/>
-            <a:r>
-              <a:rPr lang="en-US" altLang="ja-JP" dirty="0"/>
-              <a:t>NN</a:t>
-            </a:r>
-            <a:r>
-              <a:rPr lang="ja-JP" altLang="en-US" dirty="0"/>
-              <a:t>で複雑な関係を把握できる</a:t>
-            </a:r>
-            <a:endParaRPr lang="en-US" altLang="ja-JP" dirty="0"/>
-          </a:p>
-          <a:p>
-            <a:pPr lvl="1"/>
-            <a:r>
-              <a:rPr lang="en-US" altLang="ja-JP" dirty="0"/>
-              <a:t>RNN</a:t>
-            </a:r>
-            <a:r>
-              <a:rPr lang="ja-JP" altLang="en-US" dirty="0"/>
-              <a:t>であるため、過去の情報を考慮できる</a:t>
-            </a:r>
-            <a:endParaRPr lang="en-US" altLang="ja-JP" dirty="0"/>
-          </a:p>
-          <a:p>
-            <a:pPr lvl="1"/>
-            <a:r>
-              <a:rPr kumimoji="1" lang="en-US" altLang="ja-JP" dirty="0"/>
-              <a:t>ARIMA</a:t>
-            </a:r>
-            <a:r>
-              <a:rPr lang="ja-JP" altLang="en-US" dirty="0"/>
-              <a:t>モデル</a:t>
-            </a:r>
-            <a:r>
-              <a:rPr kumimoji="1" lang="ja-JP" altLang="en-US" dirty="0"/>
-              <a:t>ではできないクラス分類ができる</a:t>
-            </a:r>
-            <a:endParaRPr kumimoji="1" lang="en-US" altLang="ja-JP" dirty="0"/>
-          </a:p>
-          <a:p>
-            <a:pPr lvl="1"/>
-            <a:r>
-              <a:rPr kumimoji="1" lang="ja-JP" altLang="en-US" dirty="0"/>
-              <a:t>長期的な依存関係を効果的に学習できる</a:t>
-            </a:r>
-            <a:endParaRPr kumimoji="1" lang="en-US" altLang="ja-JP" dirty="0"/>
-          </a:p>
-          <a:p>
-            <a:pPr marL="457200" lvl="1" indent="0">
-              <a:buNone/>
-            </a:pPr>
-            <a:endParaRPr kumimoji="1" lang="en-US" altLang="ja-JP" dirty="0"/>
-          </a:p>
-        </p:txBody>
-      </p:sp>
-      <p:sp>
-        <p:nvSpPr>
-          <p:cNvPr id="5" name="テキスト ボックス 4">
-            <a:extLst>
-              <a:ext uri="{FF2B5EF4-FFF2-40B4-BE49-F238E27FC236}">
-                <a16:creationId xmlns:a16="http://schemas.microsoft.com/office/drawing/2014/main" id="{84A4A20E-A1EE-B4E2-CBB1-90946A877031}"/>
-              </a:ext>
-            </a:extLst>
-          </p:cNvPr>
-          <p:cNvSpPr txBox="1"/>
-          <p:nvPr/>
-        </p:nvSpPr>
-        <p:spPr>
-          <a:xfrm>
-            <a:off x="141890" y="0"/>
-            <a:ext cx="10570779" cy="646331"/>
-          </a:xfrm>
-          <a:prstGeom prst="rect">
-            <a:avLst/>
-          </a:prstGeom>
-          <a:noFill/>
-        </p:spPr>
-        <p:txBody>
-          <a:bodyPr wrap="square" rtlCol="0">
-            <a:spAutoFit/>
-          </a:bodyPr>
-          <a:lstStyle/>
-          <a:p>
-            <a:r>
-              <a:rPr lang="ja-JP" altLang="en-US" sz="3600" dirty="0">
-                <a:solidFill>
-                  <a:schemeClr val="bg1"/>
-                </a:solidFill>
-              </a:rPr>
-              <a:t>技術概要</a:t>
-            </a:r>
-            <a:r>
-              <a:rPr lang="en-US" altLang="ja-JP" sz="3600" dirty="0">
-                <a:solidFill>
-                  <a:schemeClr val="bg1"/>
-                </a:solidFill>
-              </a:rPr>
-              <a:t>1</a:t>
-            </a:r>
-            <a:endParaRPr kumimoji="1" lang="ja-JP" altLang="en-US" sz="3600" dirty="0">
-              <a:solidFill>
-                <a:schemeClr val="bg1"/>
-              </a:solidFill>
-            </a:endParaRPr>
-          </a:p>
-        </p:txBody>
-      </p:sp>
-    </p:spTree>
-    <p:extLst>
-      <p:ext uri="{BB962C8B-B14F-4D97-AF65-F5344CB8AC3E}">
-        <p14:creationId xmlns:p14="http://schemas.microsoft.com/office/powerpoint/2010/main" val="4293176251"/>
-      </p:ext>
-    </p:extLst>
-  </p:cSld>
-  <p:clrMapOvr>
-    <a:masterClrMapping/>
-  </p:clrMapOvr>
-</p:sld>
-</file>
-
 <file path=ppt/slides/slide8.xml><?xml version="1.0" encoding="utf-8"?>
 <p:sld xmlns:a="http://schemas.openxmlformats.org/drawingml/2006/main" xmlns:r="http://schemas.openxmlformats.org/officeDocument/2006/relationships" xmlns:p="http://schemas.openxmlformats.org/presentationml/2006/main">
   <p:cSld>
@@ -8881,97 +9141,150 @@
           <a:lstStyle/>
           <a:p>
             <a:r>
+              <a:rPr lang="en-US" altLang="ja-JP" dirty="0"/>
+              <a:t>LSTM</a:t>
+            </a:r>
+            <a:r>
+              <a:rPr lang="ja-JP" altLang="en-US" dirty="0"/>
+              <a:t>による</a:t>
+            </a:r>
+            <a:r>
+              <a:rPr lang="en-US" altLang="ja-JP" dirty="0"/>
+              <a:t>2</a:t>
+            </a:r>
+            <a:r>
+              <a:rPr lang="ja-JP" altLang="en-US" dirty="0"/>
+              <a:t>クラス分類</a:t>
+            </a:r>
+            <a:endParaRPr kumimoji="1" lang="ja-JP" altLang="en-US" dirty="0"/>
+          </a:p>
+        </p:txBody>
+      </p:sp>
+      <p:sp>
+        <p:nvSpPr>
+          <p:cNvPr id="3" name="コンテンツ プレースホルダー 2">
+            <a:extLst>
+              <a:ext uri="{FF2B5EF4-FFF2-40B4-BE49-F238E27FC236}">
+                <a16:creationId xmlns:a16="http://schemas.microsoft.com/office/drawing/2014/main" id="{15A2BAFB-9288-1EAE-AE9A-D8D9A7E545A7}"/>
+              </a:ext>
+            </a:extLst>
+          </p:cNvPr>
+          <p:cNvSpPr>
+            <a:spLocks noGrp="1"/>
+          </p:cNvSpPr>
+          <p:nvPr>
+            <p:ph idx="1"/>
+          </p:nvPr>
+        </p:nvSpPr>
+        <p:spPr/>
+        <p:txBody>
+          <a:bodyPr>
+            <a:normAutofit lnSpcReduction="10000"/>
+          </a:bodyPr>
+          <a:lstStyle/>
+          <a:p>
+            <a:r>
+              <a:rPr lang="ja-JP" altLang="en-US" dirty="0"/>
+              <a:t>クラス分類選定理由</a:t>
+            </a:r>
+            <a:endParaRPr lang="en-US" altLang="ja-JP" dirty="0"/>
+          </a:p>
+          <a:p>
+            <a:pPr lvl="1"/>
+            <a:r>
+              <a:rPr lang="ja-JP" altLang="en-US" dirty="0"/>
+              <a:t>終値を予測する回帰で行うと、前日の終値をそのまま次の日の終値の予測値として用いるような単純なモデルでも、高い精度がでる。そのため、機械学習でどの程度正確に予想できたかの評価が難しい。</a:t>
+            </a:r>
+            <a:endParaRPr lang="en-US" altLang="ja-JP" dirty="0"/>
+          </a:p>
+          <a:p>
+            <a:pPr lvl="1"/>
+            <a:r>
+              <a:rPr lang="ja-JP" altLang="en-US" dirty="0"/>
+              <a:t>クラス分類は、単純な予想では精度が</a:t>
+            </a:r>
+            <a:r>
+              <a:rPr lang="en-US" altLang="ja-JP" dirty="0"/>
+              <a:t>0.5</a:t>
+            </a:r>
+            <a:r>
+              <a:rPr lang="ja-JP" altLang="en-US" dirty="0"/>
+              <a:t>であるため、評価が容易</a:t>
+            </a:r>
+            <a:endParaRPr lang="en-US" altLang="ja-JP" dirty="0"/>
+          </a:p>
+          <a:p>
+            <a:pPr lvl="1"/>
+            <a:r>
+              <a:rPr lang="ja-JP" altLang="en-US" dirty="0"/>
+              <a:t>短期投資をするときに気になるのは株価が上がるか、下がるかである</a:t>
+            </a:r>
+            <a:endParaRPr lang="en-US" altLang="ja-JP" dirty="0"/>
+          </a:p>
+          <a:p>
+            <a:r>
+              <a:rPr lang="en-US" altLang="ja-JP" dirty="0"/>
+              <a:t>LSTM</a:t>
+            </a:r>
+            <a:r>
+              <a:rPr lang="ja-JP" altLang="en-US" dirty="0"/>
+              <a:t>選定理由</a:t>
+            </a:r>
+            <a:endParaRPr lang="en-US" altLang="ja-JP" dirty="0"/>
+          </a:p>
+          <a:p>
+            <a:pPr lvl="1"/>
+            <a:r>
+              <a:rPr lang="en-US" altLang="ja-JP" dirty="0"/>
+              <a:t>NN</a:t>
+            </a:r>
+            <a:r>
+              <a:rPr lang="ja-JP" altLang="en-US" dirty="0"/>
+              <a:t>で複雑な関係を把握できる</a:t>
+            </a:r>
+            <a:endParaRPr lang="en-US" altLang="ja-JP" dirty="0"/>
+          </a:p>
+          <a:p>
+            <a:pPr lvl="1"/>
+            <a:r>
+              <a:rPr lang="en-US" altLang="ja-JP" dirty="0"/>
+              <a:t>RNN</a:t>
+            </a:r>
+            <a:r>
+              <a:rPr lang="ja-JP" altLang="en-US" dirty="0"/>
+              <a:t>であるため、過去の情報を考慮できる</a:t>
+            </a:r>
+            <a:endParaRPr lang="en-US" altLang="ja-JP" dirty="0"/>
+          </a:p>
+          <a:p>
+            <a:pPr lvl="1"/>
+            <a:r>
+              <a:rPr kumimoji="1" lang="en-US" altLang="ja-JP" dirty="0"/>
+              <a:t>ARIMA</a:t>
+            </a:r>
+            <a:r>
+              <a:rPr lang="ja-JP" altLang="en-US" dirty="0"/>
+              <a:t>モデル</a:t>
+            </a:r>
+            <a:r>
               <a:rPr kumimoji="1" lang="ja-JP" altLang="en-US" dirty="0"/>
-              <a:t>特徴量</a:t>
-            </a:r>
-          </a:p>
-        </p:txBody>
-      </p:sp>
-      <p:sp>
-        <p:nvSpPr>
-          <p:cNvPr id="3" name="コンテンツ プレースホルダー 2">
-            <a:extLst>
-              <a:ext uri="{FF2B5EF4-FFF2-40B4-BE49-F238E27FC236}">
-                <a16:creationId xmlns:a16="http://schemas.microsoft.com/office/drawing/2014/main" id="{15A2BAFB-9288-1EAE-AE9A-D8D9A7E545A7}"/>
-              </a:ext>
-            </a:extLst>
-          </p:cNvPr>
-          <p:cNvSpPr>
-            <a:spLocks noGrp="1"/>
-          </p:cNvSpPr>
-          <p:nvPr>
-            <p:ph idx="1"/>
-          </p:nvPr>
-        </p:nvSpPr>
-        <p:spPr/>
-        <p:txBody>
-          <a:bodyPr/>
-          <a:lstStyle/>
-          <a:p>
-            <a:r>
-              <a:rPr lang="ja-JP" altLang="en-US" dirty="0"/>
-              <a:t>特徴量</a:t>
-            </a:r>
-            <a:endParaRPr lang="en-US" altLang="ja-JP" dirty="0"/>
+              <a:t>ではできないクラス分類ができる</a:t>
+            </a:r>
+            <a:endParaRPr kumimoji="1" lang="en-US" altLang="ja-JP" dirty="0"/>
           </a:p>
           <a:p>
             <a:pPr lvl="1"/>
             <a:r>
-              <a:rPr kumimoji="1" lang="en-US" altLang="ja-JP" dirty="0"/>
-              <a:t>RSI</a:t>
-            </a:r>
-            <a:r>
               <a:rPr kumimoji="1" lang="ja-JP" altLang="en-US" dirty="0"/>
-              <a:t>　買われすぎ、売られ過ぎを判断</a:t>
+              <a:t>長期的な依存関係を効果的に学習できる</a:t>
             </a:r>
             <a:endParaRPr kumimoji="1" lang="en-US" altLang="ja-JP" dirty="0"/>
           </a:p>
           <a:p>
-            <a:pPr lvl="1"/>
-            <a:r>
-              <a:rPr kumimoji="1" lang="ja-JP" altLang="en-US" dirty="0"/>
-              <a:t>移動平均　ノイズを除去</a:t>
-            </a:r>
+            <a:pPr marL="457200" lvl="1" indent="0">
+              <a:buNone/>
+            </a:pPr>
             <a:endParaRPr kumimoji="1" lang="en-US" altLang="ja-JP" dirty="0"/>
-          </a:p>
-          <a:p>
-            <a:pPr lvl="1"/>
-            <a:r>
-              <a:rPr lang="en-US" altLang="ja-JP" dirty="0"/>
-              <a:t>ROC (Rate of Change)</a:t>
-            </a:r>
-            <a:r>
-              <a:rPr lang="ja-JP" altLang="en-US" dirty="0"/>
-              <a:t>　価格の変化率をパーセンテージで表す</a:t>
-            </a:r>
-            <a:endParaRPr lang="en-US" altLang="ja-JP" dirty="0"/>
-          </a:p>
-          <a:p>
-            <a:pPr lvl="1"/>
-            <a:r>
-              <a:rPr kumimoji="1" lang="en-US" altLang="ja-JP" dirty="0"/>
-              <a:t>Bollinger Bands</a:t>
-            </a:r>
-            <a:r>
-              <a:rPr kumimoji="1" lang="ja-JP" altLang="en-US" dirty="0"/>
-              <a:t>　株価の変動幅を考慮</a:t>
-            </a:r>
-            <a:endParaRPr kumimoji="1" lang="en-US" altLang="ja-JP" dirty="0"/>
-          </a:p>
-          <a:p>
-            <a:pPr lvl="1"/>
-            <a:r>
-              <a:rPr lang="en-US" altLang="ja-JP" dirty="0"/>
-              <a:t>OBV</a:t>
-            </a:r>
-            <a:r>
-              <a:rPr lang="ja-JP" altLang="en-US" dirty="0"/>
-              <a:t>　価格の変動と出来高の関係を考慮</a:t>
-            </a:r>
-            <a:endParaRPr kumimoji="1" lang="ja-JP" altLang="en-US" dirty="0"/>
-          </a:p>
-          <a:p>
-            <a:endParaRPr kumimoji="1" lang="ja-JP" altLang="en-US" dirty="0"/>
           </a:p>
         </p:txBody>
       </p:sp>
@@ -9017,7 +9330,7 @@
                   <a:schemeClr val="bg1"/>
                 </a:solidFill>
               </a:rPr>
-              <a:t>2</a:t>
+              <a:t>1</a:t>
             </a:r>
             <a:endParaRPr kumimoji="1" lang="ja-JP" altLang="en-US" sz="3600" dirty="0">
               <a:solidFill>
@@ -9030,7 +9343,7 @@
     </p:spTree>
     <p:extLst>
       <p:ext uri="{BB962C8B-B14F-4D97-AF65-F5344CB8AC3E}">
-        <p14:creationId xmlns:p14="http://schemas.microsoft.com/office/powerpoint/2010/main" val="2906177067"/>
+        <p14:creationId xmlns:p14="http://schemas.microsoft.com/office/powerpoint/2010/main" val="4293176251"/>
       </p:ext>
     </p:extLst>
   </p:cSld>
@@ -9085,7 +9398,7 @@
           <a:p>
             <a:r>
               <a:rPr kumimoji="1" lang="ja-JP" altLang="en-US" dirty="0"/>
-              <a:t>クラス分類の精度で評価</a:t>
+              <a:t>特徴量</a:t>
             </a:r>
           </a:p>
         </p:txBody>
@@ -9112,72 +9425,101 @@
           <a:lstStyle/>
           <a:p>
             <a:r>
+              <a:rPr lang="ja-JP" altLang="en-US" dirty="0"/>
+              <a:t>特徴量</a:t>
+            </a:r>
+            <a:endParaRPr lang="en-US" altLang="ja-JP" dirty="0"/>
+          </a:p>
+          <a:p>
+            <a:pPr lvl="1"/>
+            <a:r>
+              <a:rPr lang="ja-JP" altLang="en-US" dirty="0"/>
+              <a:t>終値</a:t>
+            </a:r>
+            <a:endParaRPr lang="en-US" altLang="ja-JP" dirty="0"/>
+          </a:p>
+          <a:p>
+            <a:pPr lvl="1"/>
+            <a:r>
+              <a:rPr lang="ja-JP" altLang="en-US" dirty="0"/>
+              <a:t>変化率</a:t>
+            </a:r>
+            <a:endParaRPr lang="en-US" altLang="ja-JP" dirty="0"/>
+          </a:p>
+          <a:p>
+            <a:pPr lvl="1"/>
+            <a:r>
+              <a:rPr lang="ja-JP" altLang="en-US" dirty="0"/>
+              <a:t>終値 </a:t>
+            </a:r>
+            <a:r>
               <a:rPr lang="en-US" altLang="ja-JP" dirty="0"/>
-              <a:t>2</a:t>
+              <a:t>– </a:t>
             </a:r>
             <a:r>
               <a:rPr lang="ja-JP" altLang="en-US" dirty="0"/>
-              <a:t>クラス分類であるため、ランダムに選んだ場合は精度は</a:t>
-            </a:r>
+              <a:t>始値</a:t>
+            </a:r>
+            <a:endParaRPr lang="en-US" altLang="ja-JP" dirty="0"/>
+          </a:p>
+          <a:p>
+            <a:pPr lvl="1"/>
+            <a:r>
+              <a:rPr kumimoji="1" lang="en-US" altLang="ja-JP" dirty="0"/>
+              <a:t>RSI</a:t>
+            </a:r>
+            <a:r>
+              <a:rPr kumimoji="1" lang="ja-JP" altLang="en-US" dirty="0"/>
+              <a:t>　買われすぎ、売られ過ぎを判断</a:t>
+            </a:r>
+            <a:endParaRPr kumimoji="1" lang="en-US" altLang="ja-JP" dirty="0"/>
+          </a:p>
+          <a:p>
+            <a:pPr lvl="1"/>
+            <a:r>
+              <a:rPr kumimoji="1" lang="ja-JP" altLang="en-US" dirty="0"/>
+              <a:t>移動平均　ノイズを除去</a:t>
+            </a:r>
+            <a:endParaRPr kumimoji="1" lang="en-US" altLang="ja-JP" dirty="0"/>
+          </a:p>
+          <a:p>
+            <a:pPr lvl="1"/>
             <a:r>
               <a:rPr lang="en-US" altLang="ja-JP" dirty="0"/>
-              <a:t>0.5</a:t>
-            </a:r>
-          </a:p>
-          <a:p>
+              <a:t>ROC (Rate of Change)</a:t>
+            </a:r>
+            <a:r>
+              <a:rPr lang="ja-JP" altLang="en-US" dirty="0"/>
+              <a:t>　価格の変化率をパーセンテージで表す</a:t>
+            </a:r>
+            <a:endParaRPr lang="en-US" altLang="ja-JP" dirty="0"/>
+          </a:p>
+          <a:p>
+            <a:pPr lvl="1"/>
+            <a:r>
+              <a:rPr kumimoji="1" lang="en-US" altLang="ja-JP" dirty="0"/>
+              <a:t>Bollinger Bands</a:t>
+            </a:r>
             <a:r>
               <a:rPr kumimoji="1" lang="ja-JP" altLang="en-US" dirty="0"/>
-              <a:t>この精度をどれだけ上げることができるか</a:t>
+              <a:t>　株価の変動幅を考慮</a:t>
             </a:r>
             <a:endParaRPr kumimoji="1" lang="en-US" altLang="ja-JP" dirty="0"/>
           </a:p>
           <a:p>
+            <a:pPr lvl="1"/>
+            <a:r>
+              <a:rPr lang="en-US" altLang="ja-JP" dirty="0"/>
+              <a:t>OBV</a:t>
+            </a:r>
             <a:r>
               <a:rPr lang="ja-JP" altLang="en-US" dirty="0"/>
-              <a:t>精度が</a:t>
-            </a:r>
-            <a:r>
-              <a:rPr lang="en-US" altLang="ja-JP" dirty="0"/>
-              <a:t>0.5</a:t>
-            </a:r>
-            <a:r>
-              <a:rPr lang="ja-JP" altLang="en-US" dirty="0"/>
-              <a:t>を超えると良い予測ができたと言える</a:t>
-            </a:r>
-            <a:endParaRPr lang="en-US" altLang="ja-JP" dirty="0"/>
-          </a:p>
-          <a:p>
-            <a:r>
-              <a:rPr kumimoji="1" lang="en-US" altLang="ja-JP" dirty="0"/>
-              <a:t>2022/8/1~2023/7/31</a:t>
-            </a:r>
-            <a:r>
-              <a:rPr kumimoji="1" lang="ja-JP" altLang="en-US" dirty="0"/>
-              <a:t>を検証データ、</a:t>
-            </a:r>
-            <a:r>
-              <a:rPr lang="en-US" altLang="ja-JP" dirty="0"/>
-              <a:t>2023/8/1~2024/7/31</a:t>
-            </a:r>
-            <a:r>
-              <a:rPr lang="ja-JP" altLang="en-US" dirty="0"/>
-              <a:t>をテストデータとする</a:t>
-            </a:r>
-            <a:endParaRPr lang="en-US" altLang="ja-JP" dirty="0"/>
-          </a:p>
-          <a:p>
-            <a:r>
-              <a:rPr kumimoji="1" lang="ja-JP" altLang="en-US" dirty="0"/>
-              <a:t>テストデータの</a:t>
-            </a:r>
-            <a:r>
-              <a:rPr kumimoji="1" lang="en-US" altLang="ja-JP" dirty="0"/>
-              <a:t>1</a:t>
-            </a:r>
-            <a:r>
-              <a:rPr kumimoji="1" lang="ja-JP" altLang="en-US" dirty="0"/>
-              <a:t>年間をどれだけ正確に予想できたかを評価指標とする</a:t>
-            </a:r>
+              <a:t>　価格の変動と出来高の関係を考慮</a:t>
+            </a:r>
+            <a:endParaRPr kumimoji="1" lang="ja-JP" altLang="en-US" dirty="0"/>
+          </a:p>
+          <a:p>
+            <a:endParaRPr kumimoji="1" lang="ja-JP" altLang="en-US" dirty="0"/>
           </a:p>
         </p:txBody>
       </p:sp>
@@ -9215,7 +9557,15 @@
                   <a:schemeClr val="bg1"/>
                 </a:solidFill>
               </a:rPr>
-              <a:t>評価指標</a:t>
+              <a:t>技術概要</a:t>
+            </a:r>
+            <a:r>
+              <a:rPr lang="en-US" altLang="ja-JP" sz="3600" dirty="0">
+                <a:solidFill>
+                  <a:schemeClr val="bg1"/>
+                </a:solidFill>
+              </a:rPr>
+              <a:t>2</a:t>
             </a:r>
             <a:endParaRPr kumimoji="1" lang="ja-JP" altLang="en-US" sz="3600" dirty="0">
               <a:solidFill>
@@ -9228,7 +9578,7 @@
     </p:spTree>
     <p:extLst>
       <p:ext uri="{BB962C8B-B14F-4D97-AF65-F5344CB8AC3E}">
-        <p14:creationId xmlns:p14="http://schemas.microsoft.com/office/powerpoint/2010/main" val="2290499356"/>
+        <p14:creationId xmlns:p14="http://schemas.microsoft.com/office/powerpoint/2010/main" val="2906177067"/>
       </p:ext>
     </p:extLst>
   </p:cSld>
